--- a/20240611/期末報告.pptx
+++ b/20240611/期末報告.pptx
@@ -6,9 +6,18 @@
   </p:sldMasterIdLst>
   <p:sldIdLst>
     <p:sldId id="256" r:id="rId2"/>
-    <p:sldId id="257" r:id="rId3"/>
-    <p:sldId id="258" r:id="rId4"/>
-    <p:sldId id="259" r:id="rId5"/>
+    <p:sldId id="260" r:id="rId3"/>
+    <p:sldId id="257" r:id="rId4"/>
+    <p:sldId id="258" r:id="rId5"/>
+    <p:sldId id="262" r:id="rId6"/>
+    <p:sldId id="259" r:id="rId7"/>
+    <p:sldId id="263" r:id="rId8"/>
+    <p:sldId id="265" r:id="rId9"/>
+    <p:sldId id="266" r:id="rId10"/>
+    <p:sldId id="267" r:id="rId11"/>
+    <p:sldId id="264" r:id="rId12"/>
+    <p:sldId id="268" r:id="rId13"/>
+    <p:sldId id="269" r:id="rId14"/>
   </p:sldIdLst>
   <p:sldSz cx="12192000" cy="6858000"/>
   <p:notesSz cx="6858000" cy="9144000"/>
@@ -107,7 +116,508 @@
       </a:defRPr>
     </a:lvl9pPr>
   </p:defaultTextStyle>
+  <p:extLst>
+    <p:ext uri="{EFAFB233-063F-42B5-8137-9DF3F51BA10A}">
+      <p15:sldGuideLst xmlns:p15="http://schemas.microsoft.com/office/powerpoint/2012/main"/>
+    </p:ext>
+  </p:extLst>
 </p:presentation>
+</file>
+
+<file path=ppt/revisionInfo.xml><?xml version="1.0" encoding="utf-8"?>
+<p1510:revInfo xmlns:a="http://schemas.openxmlformats.org/drawingml/2006/main" xmlns:r="http://schemas.openxmlformats.org/officeDocument/2006/relationships" xmlns:p1510="http://schemas.microsoft.com/office/powerpoint/2015/10/main">
+  <p1510:revLst>
+    <p1510:client id="{83F5764A-8CEC-4539-BE3C-85D7FE7C735A}" v="43" dt="2024-06-16T15:59:53.847"/>
+  </p1510:revLst>
+</p1510:revInfo>
+</file>
+
+<file path=ppt/changesInfos/changesInfo1.xml><?xml version="1.0" encoding="utf-8"?>
+<pc:chgInfo xmlns:a="http://schemas.openxmlformats.org/drawingml/2006/main" xmlns:r="http://schemas.openxmlformats.org/officeDocument/2006/relationships" xmlns:ac="http://schemas.microsoft.com/office/drawing/2013/main/command" xmlns:pc="http://schemas.microsoft.com/office/powerpoint/2013/main/command">
+  <pc:docChgLst>
+    <pc:chgData name="jimmy vul" userId="d17b6e10bea0a50f" providerId="LiveId" clId="{83F5764A-8CEC-4539-BE3C-85D7FE7C735A}"/>
+    <pc:docChg chg="undo redo custSel addSld delSld modSld">
+      <pc:chgData name="jimmy vul" userId="d17b6e10bea0a50f" providerId="LiveId" clId="{83F5764A-8CEC-4539-BE3C-85D7FE7C735A}" dt="2024-06-16T16:01:25.396" v="954" actId="20577"/>
+      <pc:docMkLst>
+        <pc:docMk/>
+      </pc:docMkLst>
+      <pc:sldChg chg="modSp mod">
+        <pc:chgData name="jimmy vul" userId="d17b6e10bea0a50f" providerId="LiveId" clId="{83F5764A-8CEC-4539-BE3C-85D7FE7C735A}" dt="2024-06-16T16:01:25.396" v="954" actId="20577"/>
+        <pc:sldMkLst>
+          <pc:docMk/>
+          <pc:sldMk cId="2087746997" sldId="257"/>
+        </pc:sldMkLst>
+        <pc:spChg chg="mod">
+          <ac:chgData name="jimmy vul" userId="d17b6e10bea0a50f" providerId="LiveId" clId="{83F5764A-8CEC-4539-BE3C-85D7FE7C735A}" dt="2024-06-16T16:01:25.396" v="954" actId="20577"/>
+          <ac:spMkLst>
+            <pc:docMk/>
+            <pc:sldMk cId="2087746997" sldId="257"/>
+            <ac:spMk id="3" creationId="{C26E4CBC-CAC9-4604-AC73-7792108DBECB}"/>
+          </ac:spMkLst>
+        </pc:spChg>
+      </pc:sldChg>
+      <pc:sldChg chg="addSp delSp modSp mod">
+        <pc:chgData name="jimmy vul" userId="d17b6e10bea0a50f" providerId="LiveId" clId="{83F5764A-8CEC-4539-BE3C-85D7FE7C735A}" dt="2024-06-15T16:03:54.475" v="410" actId="14100"/>
+        <pc:sldMkLst>
+          <pc:docMk/>
+          <pc:sldMk cId="1490411629" sldId="258"/>
+        </pc:sldMkLst>
+        <pc:spChg chg="mod">
+          <ac:chgData name="jimmy vul" userId="d17b6e10bea0a50f" providerId="LiveId" clId="{83F5764A-8CEC-4539-BE3C-85D7FE7C735A}" dt="2024-06-15T14:51:55.614" v="366" actId="1076"/>
+          <ac:spMkLst>
+            <pc:docMk/>
+            <pc:sldMk cId="1490411629" sldId="258"/>
+            <ac:spMk id="3" creationId="{C26E4CBC-CAC9-4604-AC73-7792108DBECB}"/>
+          </ac:spMkLst>
+        </pc:spChg>
+        <pc:spChg chg="add mod">
+          <ac:chgData name="jimmy vul" userId="d17b6e10bea0a50f" providerId="LiveId" clId="{83F5764A-8CEC-4539-BE3C-85D7FE7C735A}" dt="2024-06-15T14:52:03.797" v="369" actId="1076"/>
+          <ac:spMkLst>
+            <pc:docMk/>
+            <pc:sldMk cId="1490411629" sldId="258"/>
+            <ac:spMk id="4" creationId="{5DA26CA7-23E5-C351-CE7E-80C392F9A299}"/>
+          </ac:spMkLst>
+        </pc:spChg>
+        <pc:spChg chg="add mod">
+          <ac:chgData name="jimmy vul" userId="d17b6e10bea0a50f" providerId="LiveId" clId="{83F5764A-8CEC-4539-BE3C-85D7FE7C735A}" dt="2024-06-15T14:52:18.057" v="379" actId="1076"/>
+          <ac:spMkLst>
+            <pc:docMk/>
+            <pc:sldMk cId="1490411629" sldId="258"/>
+            <ac:spMk id="6" creationId="{225347E8-3AC9-A1FE-E527-D9E9552D7497}"/>
+          </ac:spMkLst>
+        </pc:spChg>
+        <pc:spChg chg="add del mod">
+          <ac:chgData name="jimmy vul" userId="d17b6e10bea0a50f" providerId="LiveId" clId="{83F5764A-8CEC-4539-BE3C-85D7FE7C735A}" dt="2024-06-15T14:53:00.300" v="385" actId="478"/>
+          <ac:spMkLst>
+            <pc:docMk/>
+            <pc:sldMk cId="1490411629" sldId="258"/>
+            <ac:spMk id="8" creationId="{3F5B2060-67CB-2BFF-3F76-D32C586D3F94}"/>
+          </ac:spMkLst>
+        </pc:spChg>
+        <pc:picChg chg="add mod">
+          <ac:chgData name="jimmy vul" userId="d17b6e10bea0a50f" providerId="LiveId" clId="{83F5764A-8CEC-4539-BE3C-85D7FE7C735A}" dt="2024-06-15T16:03:51.757" v="409" actId="14100"/>
+          <ac:picMkLst>
+            <pc:docMk/>
+            <pc:sldMk cId="1490411629" sldId="258"/>
+            <ac:picMk id="10" creationId="{9EC9C8D2-35F2-C4F5-10DC-99490136E52C}"/>
+          </ac:picMkLst>
+        </pc:picChg>
+        <pc:picChg chg="add mod">
+          <ac:chgData name="jimmy vul" userId="d17b6e10bea0a50f" providerId="LiveId" clId="{83F5764A-8CEC-4539-BE3C-85D7FE7C735A}" dt="2024-06-15T16:03:54.475" v="410" actId="14100"/>
+          <ac:picMkLst>
+            <pc:docMk/>
+            <pc:sldMk cId="1490411629" sldId="258"/>
+            <ac:picMk id="12" creationId="{B14BCCBA-FCEC-9814-888B-5FAA0B90DEA9}"/>
+          </ac:picMkLst>
+        </pc:picChg>
+      </pc:sldChg>
+      <pc:sldChg chg="addSp modSp mod">
+        <pc:chgData name="jimmy vul" userId="d17b6e10bea0a50f" providerId="LiveId" clId="{83F5764A-8CEC-4539-BE3C-85D7FE7C735A}" dt="2024-06-15T19:35:30.708" v="441" actId="1076"/>
+        <pc:sldMkLst>
+          <pc:docMk/>
+          <pc:sldMk cId="1366296381" sldId="259"/>
+        </pc:sldMkLst>
+        <pc:spChg chg="mod">
+          <ac:chgData name="jimmy vul" userId="d17b6e10bea0a50f" providerId="LiveId" clId="{83F5764A-8CEC-4539-BE3C-85D7FE7C735A}" dt="2024-06-15T19:35:28.637" v="440" actId="1076"/>
+          <ac:spMkLst>
+            <pc:docMk/>
+            <pc:sldMk cId="1366296381" sldId="259"/>
+            <ac:spMk id="3" creationId="{C26E4CBC-CAC9-4604-AC73-7792108DBECB}"/>
+          </ac:spMkLst>
+        </pc:spChg>
+        <pc:picChg chg="add mod modCrop">
+          <ac:chgData name="jimmy vul" userId="d17b6e10bea0a50f" providerId="LiveId" clId="{83F5764A-8CEC-4539-BE3C-85D7FE7C735A}" dt="2024-06-15T19:35:30.708" v="441" actId="1076"/>
+          <ac:picMkLst>
+            <pc:docMk/>
+            <pc:sldMk cId="1366296381" sldId="259"/>
+            <ac:picMk id="4" creationId="{C2F4B0AA-9587-EB1C-7E24-403702D25FD6}"/>
+          </ac:picMkLst>
+        </pc:picChg>
+      </pc:sldChg>
+      <pc:sldChg chg="modSp add mod">
+        <pc:chgData name="jimmy vul" userId="d17b6e10bea0a50f" providerId="LiveId" clId="{83F5764A-8CEC-4539-BE3C-85D7FE7C735A}" dt="2024-06-15T14:22:31.762" v="354" actId="20577"/>
+        <pc:sldMkLst>
+          <pc:docMk/>
+          <pc:sldMk cId="458336760" sldId="260"/>
+        </pc:sldMkLst>
+        <pc:spChg chg="mod">
+          <ac:chgData name="jimmy vul" userId="d17b6e10bea0a50f" providerId="LiveId" clId="{83F5764A-8CEC-4539-BE3C-85D7FE7C735A}" dt="2024-06-15T14:22:31.762" v="354" actId="20577"/>
+          <ac:spMkLst>
+            <pc:docMk/>
+            <pc:sldMk cId="458336760" sldId="260"/>
+            <ac:spMk id="3" creationId="{C26E4CBC-CAC9-4604-AC73-7792108DBECB}"/>
+          </ac:spMkLst>
+        </pc:spChg>
+      </pc:sldChg>
+      <pc:sldChg chg="new del">
+        <pc:chgData name="jimmy vul" userId="d17b6e10bea0a50f" providerId="LiveId" clId="{83F5764A-8CEC-4539-BE3C-85D7FE7C735A}" dt="2024-06-14T14:00:12.431" v="185" actId="680"/>
+        <pc:sldMkLst>
+          <pc:docMk/>
+          <pc:sldMk cId="4268149720" sldId="260"/>
+        </pc:sldMkLst>
+      </pc:sldChg>
+      <pc:sldChg chg="add del">
+        <pc:chgData name="jimmy vul" userId="d17b6e10bea0a50f" providerId="LiveId" clId="{83F5764A-8CEC-4539-BE3C-85D7FE7C735A}" dt="2024-06-16T15:59:34.087" v="822" actId="47"/>
+        <pc:sldMkLst>
+          <pc:docMk/>
+          <pc:sldMk cId="87925642" sldId="261"/>
+        </pc:sldMkLst>
+      </pc:sldChg>
+      <pc:sldChg chg="addSp delSp modSp add mod">
+        <pc:chgData name="jimmy vul" userId="d17b6e10bea0a50f" providerId="LiveId" clId="{83F5764A-8CEC-4539-BE3C-85D7FE7C735A}" dt="2024-06-15T17:22:08.355" v="426" actId="1076"/>
+        <pc:sldMkLst>
+          <pc:docMk/>
+          <pc:sldMk cId="3656177452" sldId="262"/>
+        </pc:sldMkLst>
+        <pc:spChg chg="add mod">
+          <ac:chgData name="jimmy vul" userId="d17b6e10bea0a50f" providerId="LiveId" clId="{83F5764A-8CEC-4539-BE3C-85D7FE7C735A}" dt="2024-06-15T14:53:22.647" v="395" actId="1076"/>
+          <ac:spMkLst>
+            <pc:docMk/>
+            <pc:sldMk cId="3656177452" sldId="262"/>
+            <ac:spMk id="2" creationId="{2D78E428-A729-01B7-7C2C-6D0E11D71C33}"/>
+          </ac:spMkLst>
+        </pc:spChg>
+        <pc:spChg chg="del">
+          <ac:chgData name="jimmy vul" userId="d17b6e10bea0a50f" providerId="LiveId" clId="{83F5764A-8CEC-4539-BE3C-85D7FE7C735A}" dt="2024-06-15T14:53:09.939" v="389" actId="478"/>
+          <ac:spMkLst>
+            <pc:docMk/>
+            <pc:sldMk cId="3656177452" sldId="262"/>
+            <ac:spMk id="4" creationId="{5DA26CA7-23E5-C351-CE7E-80C392F9A299}"/>
+          </ac:spMkLst>
+        </pc:spChg>
+        <pc:spChg chg="del">
+          <ac:chgData name="jimmy vul" userId="d17b6e10bea0a50f" providerId="LiveId" clId="{83F5764A-8CEC-4539-BE3C-85D7FE7C735A}" dt="2024-06-15T14:53:19.236" v="394" actId="478"/>
+          <ac:spMkLst>
+            <pc:docMk/>
+            <pc:sldMk cId="3656177452" sldId="262"/>
+            <ac:spMk id="6" creationId="{225347E8-3AC9-A1FE-E527-D9E9552D7497}"/>
+          </ac:spMkLst>
+        </pc:spChg>
+        <pc:spChg chg="mod">
+          <ac:chgData name="jimmy vul" userId="d17b6e10bea0a50f" providerId="LiveId" clId="{83F5764A-8CEC-4539-BE3C-85D7FE7C735A}" dt="2024-06-15T14:53:12.897" v="390" actId="1076"/>
+          <ac:spMkLst>
+            <pc:docMk/>
+            <pc:sldMk cId="3656177452" sldId="262"/>
+            <ac:spMk id="8" creationId="{3F5B2060-67CB-2BFF-3F76-D32C586D3F94}"/>
+          </ac:spMkLst>
+        </pc:spChg>
+        <pc:picChg chg="add mod">
+          <ac:chgData name="jimmy vul" userId="d17b6e10bea0a50f" providerId="LiveId" clId="{83F5764A-8CEC-4539-BE3C-85D7FE7C735A}" dt="2024-06-15T17:19:54.353" v="417" actId="1076"/>
+          <ac:picMkLst>
+            <pc:docMk/>
+            <pc:sldMk cId="3656177452" sldId="262"/>
+            <ac:picMk id="7" creationId="{686C5AF4-C896-BCCC-80AC-87A1C7961391}"/>
+          </ac:picMkLst>
+        </pc:picChg>
+        <pc:picChg chg="add mod">
+          <ac:chgData name="jimmy vul" userId="d17b6e10bea0a50f" providerId="LiveId" clId="{83F5764A-8CEC-4539-BE3C-85D7FE7C735A}" dt="2024-06-15T17:22:08.355" v="426" actId="1076"/>
+          <ac:picMkLst>
+            <pc:docMk/>
+            <pc:sldMk cId="3656177452" sldId="262"/>
+            <ac:picMk id="10" creationId="{B6CD801B-92C6-88F6-BA5E-AB3F815FFEE9}"/>
+          </ac:picMkLst>
+        </pc:picChg>
+      </pc:sldChg>
+      <pc:sldChg chg="addSp delSp modSp add mod">
+        <pc:chgData name="jimmy vul" userId="d17b6e10bea0a50f" providerId="LiveId" clId="{83F5764A-8CEC-4539-BE3C-85D7FE7C735A}" dt="2024-06-16T15:53:52.125" v="685" actId="1076"/>
+        <pc:sldMkLst>
+          <pc:docMk/>
+          <pc:sldMk cId="2563305704" sldId="263"/>
+        </pc:sldMkLst>
+        <pc:spChg chg="mod">
+          <ac:chgData name="jimmy vul" userId="d17b6e10bea0a50f" providerId="LiveId" clId="{83F5764A-8CEC-4539-BE3C-85D7FE7C735A}" dt="2024-06-16T05:40:05.007" v="447" actId="1076"/>
+          <ac:spMkLst>
+            <pc:docMk/>
+            <pc:sldMk cId="2563305704" sldId="263"/>
+            <ac:spMk id="3" creationId="{C26E4CBC-CAC9-4604-AC73-7792108DBECB}"/>
+          </ac:spMkLst>
+        </pc:spChg>
+        <pc:picChg chg="add del mod">
+          <ac:chgData name="jimmy vul" userId="d17b6e10bea0a50f" providerId="LiveId" clId="{83F5764A-8CEC-4539-BE3C-85D7FE7C735A}" dt="2024-06-16T05:40:54.531" v="453" actId="478"/>
+          <ac:picMkLst>
+            <pc:docMk/>
+            <pc:sldMk cId="2563305704" sldId="263"/>
+            <ac:picMk id="4" creationId="{BABAC05C-26F0-534C-9E8F-8AC25F1C7F48}"/>
+          </ac:picMkLst>
+        </pc:picChg>
+        <pc:picChg chg="add del mod">
+          <ac:chgData name="jimmy vul" userId="d17b6e10bea0a50f" providerId="LiveId" clId="{83F5764A-8CEC-4539-BE3C-85D7FE7C735A}" dt="2024-06-16T10:37:05.812" v="507" actId="478"/>
+          <ac:picMkLst>
+            <pc:docMk/>
+            <pc:sldMk cId="2563305704" sldId="263"/>
+            <ac:picMk id="6" creationId="{9183FE3A-5F17-FFC7-4AC3-A0F23CB90F95}"/>
+          </ac:picMkLst>
+        </pc:picChg>
+        <pc:picChg chg="add del mod">
+          <ac:chgData name="jimmy vul" userId="d17b6e10bea0a50f" providerId="LiveId" clId="{83F5764A-8CEC-4539-BE3C-85D7FE7C735A}" dt="2024-06-16T10:37:06.196" v="508" actId="478"/>
+          <ac:picMkLst>
+            <pc:docMk/>
+            <pc:sldMk cId="2563305704" sldId="263"/>
+            <ac:picMk id="8" creationId="{C7E58207-A4D7-6864-23B3-570BEFECE9B9}"/>
+          </ac:picMkLst>
+        </pc:picChg>
+        <pc:picChg chg="add del mod">
+          <ac:chgData name="jimmy vul" userId="d17b6e10bea0a50f" providerId="LiveId" clId="{83F5764A-8CEC-4539-BE3C-85D7FE7C735A}" dt="2024-06-16T10:37:40.954" v="516" actId="478"/>
+          <ac:picMkLst>
+            <pc:docMk/>
+            <pc:sldMk cId="2563305704" sldId="263"/>
+            <ac:picMk id="10" creationId="{B37F2084-A578-2278-8D58-EBF056CFFEDD}"/>
+          </ac:picMkLst>
+        </pc:picChg>
+        <pc:picChg chg="add mod">
+          <ac:chgData name="jimmy vul" userId="d17b6e10bea0a50f" providerId="LiveId" clId="{83F5764A-8CEC-4539-BE3C-85D7FE7C735A}" dt="2024-06-16T15:53:52.125" v="685" actId="1076"/>
+          <ac:picMkLst>
+            <pc:docMk/>
+            <pc:sldMk cId="2563305704" sldId="263"/>
+            <ac:picMk id="12" creationId="{22F2BF35-40CA-4628-CEE4-503C15DA8A52}"/>
+          </ac:picMkLst>
+        </pc:picChg>
+        <pc:picChg chg="add mod">
+          <ac:chgData name="jimmy vul" userId="d17b6e10bea0a50f" providerId="LiveId" clId="{83F5764A-8CEC-4539-BE3C-85D7FE7C735A}" dt="2024-06-16T15:53:50.621" v="683" actId="1076"/>
+          <ac:picMkLst>
+            <pc:docMk/>
+            <pc:sldMk cId="2563305704" sldId="263"/>
+            <ac:picMk id="14" creationId="{F04D8631-670F-9F4B-4DBB-CBDA5CE2AEE3}"/>
+          </ac:picMkLst>
+        </pc:picChg>
+      </pc:sldChg>
+      <pc:sldChg chg="modSp add mod">
+        <pc:chgData name="jimmy vul" userId="d17b6e10bea0a50f" providerId="LiveId" clId="{83F5764A-8CEC-4539-BE3C-85D7FE7C735A}" dt="2024-06-16T15:54:15.788" v="691" actId="1076"/>
+        <pc:sldMkLst>
+          <pc:docMk/>
+          <pc:sldMk cId="1329681848" sldId="264"/>
+        </pc:sldMkLst>
+        <pc:spChg chg="mod">
+          <ac:chgData name="jimmy vul" userId="d17b6e10bea0a50f" providerId="LiveId" clId="{83F5764A-8CEC-4539-BE3C-85D7FE7C735A}" dt="2024-06-16T15:54:15.788" v="691" actId="1076"/>
+          <ac:spMkLst>
+            <pc:docMk/>
+            <pc:sldMk cId="1329681848" sldId="264"/>
+            <ac:spMk id="3" creationId="{C26E4CBC-CAC9-4604-AC73-7792108DBECB}"/>
+          </ac:spMkLst>
+        </pc:spChg>
+      </pc:sldChg>
+      <pc:sldChg chg="addSp delSp modSp add mod">
+        <pc:chgData name="jimmy vul" userId="d17b6e10bea0a50f" providerId="LiveId" clId="{83F5764A-8CEC-4539-BE3C-85D7FE7C735A}" dt="2024-06-16T15:53:48.966" v="680" actId="1076"/>
+        <pc:sldMkLst>
+          <pc:docMk/>
+          <pc:sldMk cId="1894173104" sldId="265"/>
+        </pc:sldMkLst>
+        <pc:picChg chg="add del mod">
+          <ac:chgData name="jimmy vul" userId="d17b6e10bea0a50f" providerId="LiveId" clId="{83F5764A-8CEC-4539-BE3C-85D7FE7C735A}" dt="2024-06-16T10:37:04.225" v="505" actId="478"/>
+          <ac:picMkLst>
+            <pc:docMk/>
+            <pc:sldMk cId="1894173104" sldId="265"/>
+            <ac:picMk id="4" creationId="{1AEC5B6B-3FDD-BBC6-32ED-B16ECB063C7E}"/>
+          </ac:picMkLst>
+        </pc:picChg>
+        <pc:picChg chg="del">
+          <ac:chgData name="jimmy vul" userId="d17b6e10bea0a50f" providerId="LiveId" clId="{83F5764A-8CEC-4539-BE3C-85D7FE7C735A}" dt="2024-06-16T09:35:07.082" v="473" actId="478"/>
+          <ac:picMkLst>
+            <pc:docMk/>
+            <pc:sldMk cId="1894173104" sldId="265"/>
+            <ac:picMk id="6" creationId="{9183FE3A-5F17-FFC7-4AC3-A0F23CB90F95}"/>
+          </ac:picMkLst>
+        </pc:picChg>
+        <pc:picChg chg="add del mod">
+          <ac:chgData name="jimmy vul" userId="d17b6e10bea0a50f" providerId="LiveId" clId="{83F5764A-8CEC-4539-BE3C-85D7FE7C735A}" dt="2024-06-16T10:37:04.680" v="506" actId="478"/>
+          <ac:picMkLst>
+            <pc:docMk/>
+            <pc:sldMk cId="1894173104" sldId="265"/>
+            <ac:picMk id="7" creationId="{FC04CAA0-2FB1-3AD8-B5F6-B49E5AE3505E}"/>
+          </ac:picMkLst>
+        </pc:picChg>
+        <pc:picChg chg="del">
+          <ac:chgData name="jimmy vul" userId="d17b6e10bea0a50f" providerId="LiveId" clId="{83F5764A-8CEC-4539-BE3C-85D7FE7C735A}" dt="2024-06-16T09:35:08.312" v="474" actId="478"/>
+          <ac:picMkLst>
+            <pc:docMk/>
+            <pc:sldMk cId="1894173104" sldId="265"/>
+            <ac:picMk id="8" creationId="{C7E58207-A4D7-6864-23B3-570BEFECE9B9}"/>
+          </ac:picMkLst>
+        </pc:picChg>
+        <pc:picChg chg="add mod">
+          <ac:chgData name="jimmy vul" userId="d17b6e10bea0a50f" providerId="LiveId" clId="{83F5764A-8CEC-4539-BE3C-85D7FE7C735A}" dt="2024-06-16T15:53:48.966" v="680" actId="1076"/>
+          <ac:picMkLst>
+            <pc:docMk/>
+            <pc:sldMk cId="1894173104" sldId="265"/>
+            <ac:picMk id="10" creationId="{B4764F7A-CDE0-2F80-1CB5-7B7A4C733B06}"/>
+          </ac:picMkLst>
+        </pc:picChg>
+        <pc:picChg chg="add mod">
+          <ac:chgData name="jimmy vul" userId="d17b6e10bea0a50f" providerId="LiveId" clId="{83F5764A-8CEC-4539-BE3C-85D7FE7C735A}" dt="2024-06-16T15:53:48.264" v="678" actId="1076"/>
+          <ac:picMkLst>
+            <pc:docMk/>
+            <pc:sldMk cId="1894173104" sldId="265"/>
+            <ac:picMk id="12" creationId="{F746CE7E-32D2-A901-7DDD-872CCD36E3E7}"/>
+          </ac:picMkLst>
+        </pc:picChg>
+      </pc:sldChg>
+      <pc:sldChg chg="addSp delSp modSp add mod">
+        <pc:chgData name="jimmy vul" userId="d17b6e10bea0a50f" providerId="LiveId" clId="{83F5764A-8CEC-4539-BE3C-85D7FE7C735A}" dt="2024-06-16T12:23:56.394" v="563" actId="1076"/>
+        <pc:sldMkLst>
+          <pc:docMk/>
+          <pc:sldMk cId="363084037" sldId="266"/>
+        </pc:sldMkLst>
+        <pc:picChg chg="del">
+          <ac:chgData name="jimmy vul" userId="d17b6e10bea0a50f" providerId="LiveId" clId="{83F5764A-8CEC-4539-BE3C-85D7FE7C735A}" dt="2024-06-16T10:15:34.138" v="486" actId="478"/>
+          <ac:picMkLst>
+            <pc:docMk/>
+            <pc:sldMk cId="363084037" sldId="266"/>
+            <ac:picMk id="4" creationId="{1AEC5B6B-3FDD-BBC6-32ED-B16ECB063C7E}"/>
+          </ac:picMkLst>
+        </pc:picChg>
+        <pc:picChg chg="add del mod">
+          <ac:chgData name="jimmy vul" userId="d17b6e10bea0a50f" providerId="LiveId" clId="{83F5764A-8CEC-4539-BE3C-85D7FE7C735A}" dt="2024-06-16T10:37:02.815" v="503" actId="478"/>
+          <ac:picMkLst>
+            <pc:docMk/>
+            <pc:sldMk cId="363084037" sldId="266"/>
+            <ac:picMk id="5" creationId="{87A68384-B52D-C345-51D6-74AFDBE56946}"/>
+          </ac:picMkLst>
+        </pc:picChg>
+        <pc:picChg chg="del">
+          <ac:chgData name="jimmy vul" userId="d17b6e10bea0a50f" providerId="LiveId" clId="{83F5764A-8CEC-4539-BE3C-85D7FE7C735A}" dt="2024-06-16T10:15:34.517" v="487" actId="478"/>
+          <ac:picMkLst>
+            <pc:docMk/>
+            <pc:sldMk cId="363084037" sldId="266"/>
+            <ac:picMk id="7" creationId="{FC04CAA0-2FB1-3AD8-B5F6-B49E5AE3505E}"/>
+          </ac:picMkLst>
+        </pc:picChg>
+        <pc:picChg chg="add del mod">
+          <ac:chgData name="jimmy vul" userId="d17b6e10bea0a50f" providerId="LiveId" clId="{83F5764A-8CEC-4539-BE3C-85D7FE7C735A}" dt="2024-06-16T10:37:03.214" v="504" actId="478"/>
+          <ac:picMkLst>
+            <pc:docMk/>
+            <pc:sldMk cId="363084037" sldId="266"/>
+            <ac:picMk id="8" creationId="{E2E08D34-9626-A5EE-10C0-ADE795BC2E3E}"/>
+          </ac:picMkLst>
+        </pc:picChg>
+        <pc:picChg chg="add mod">
+          <ac:chgData name="jimmy vul" userId="d17b6e10bea0a50f" providerId="LiveId" clId="{83F5764A-8CEC-4539-BE3C-85D7FE7C735A}" dt="2024-06-16T12:23:52.686" v="561" actId="1076"/>
+          <ac:picMkLst>
+            <pc:docMk/>
+            <pc:sldMk cId="363084037" sldId="266"/>
+            <ac:picMk id="10" creationId="{0CC29161-FD3F-2312-4A0B-E742CCA396AE}"/>
+          </ac:picMkLst>
+        </pc:picChg>
+        <pc:picChg chg="add mod">
+          <ac:chgData name="jimmy vul" userId="d17b6e10bea0a50f" providerId="LiveId" clId="{83F5764A-8CEC-4539-BE3C-85D7FE7C735A}" dt="2024-06-16T12:23:56.394" v="563" actId="1076"/>
+          <ac:picMkLst>
+            <pc:docMk/>
+            <pc:sldMk cId="363084037" sldId="266"/>
+            <ac:picMk id="12" creationId="{D1DC9FCE-75DD-D7A7-4AC8-FBC406AC9EFF}"/>
+          </ac:picMkLst>
+        </pc:picChg>
+      </pc:sldChg>
+      <pc:sldChg chg="addSp delSp modSp add mod">
+        <pc:chgData name="jimmy vul" userId="d17b6e10bea0a50f" providerId="LiveId" clId="{83F5764A-8CEC-4539-BE3C-85D7FE7C735A}" dt="2024-06-16T15:53:54.927" v="687" actId="20577"/>
+        <pc:sldMkLst>
+          <pc:docMk/>
+          <pc:sldMk cId="2127300494" sldId="267"/>
+        </pc:sldMkLst>
+        <pc:spChg chg="mod">
+          <ac:chgData name="jimmy vul" userId="d17b6e10bea0a50f" providerId="LiveId" clId="{83F5764A-8CEC-4539-BE3C-85D7FE7C735A}" dt="2024-06-16T15:42:28.847" v="599" actId="1076"/>
+          <ac:spMkLst>
+            <pc:docMk/>
+            <pc:sldMk cId="2127300494" sldId="267"/>
+            <ac:spMk id="3" creationId="{C26E4CBC-CAC9-4604-AC73-7792108DBECB}"/>
+          </ac:spMkLst>
+        </pc:spChg>
+        <pc:spChg chg="add mod">
+          <ac:chgData name="jimmy vul" userId="d17b6e10bea0a50f" providerId="LiveId" clId="{83F5764A-8CEC-4539-BE3C-85D7FE7C735A}" dt="2024-06-16T15:44:11.202" v="607" actId="1076"/>
+          <ac:spMkLst>
+            <pc:docMk/>
+            <pc:sldMk cId="2127300494" sldId="267"/>
+            <ac:spMk id="9" creationId="{ED511A75-8A2B-3E7E-E711-1F611C61B575}"/>
+          </ac:spMkLst>
+        </pc:spChg>
+        <pc:spChg chg="add mod">
+          <ac:chgData name="jimmy vul" userId="d17b6e10bea0a50f" providerId="LiveId" clId="{83F5764A-8CEC-4539-BE3C-85D7FE7C735A}" dt="2024-06-16T15:45:01.377" v="626" actId="20577"/>
+          <ac:spMkLst>
+            <pc:docMk/>
+            <pc:sldMk cId="2127300494" sldId="267"/>
+            <ac:spMk id="10" creationId="{B37F6278-673B-11C2-D2D3-BB26FA2E3809}"/>
+          </ac:spMkLst>
+        </pc:spChg>
+        <pc:spChg chg="add mod">
+          <ac:chgData name="jimmy vul" userId="d17b6e10bea0a50f" providerId="LiveId" clId="{83F5764A-8CEC-4539-BE3C-85D7FE7C735A}" dt="2024-06-16T15:53:54.927" v="687" actId="20577"/>
+          <ac:spMkLst>
+            <pc:docMk/>
+            <pc:sldMk cId="2127300494" sldId="267"/>
+            <ac:spMk id="11" creationId="{4A5B45BC-89F2-D5AE-5C95-4AD43A93A2EB}"/>
+          </ac:spMkLst>
+        </pc:spChg>
+        <pc:picChg chg="add del mod">
+          <ac:chgData name="jimmy vul" userId="d17b6e10bea0a50f" providerId="LiveId" clId="{83F5764A-8CEC-4539-BE3C-85D7FE7C735A}" dt="2024-06-16T15:27:33.397" v="570" actId="478"/>
+          <ac:picMkLst>
+            <pc:docMk/>
+            <pc:sldMk cId="2127300494" sldId="267"/>
+            <ac:picMk id="4" creationId="{91FD1E04-DB56-7CAC-26ED-CEC56AB97359}"/>
+          </ac:picMkLst>
+        </pc:picChg>
+        <pc:picChg chg="del">
+          <ac:chgData name="jimmy vul" userId="d17b6e10bea0a50f" providerId="LiveId" clId="{83F5764A-8CEC-4539-BE3C-85D7FE7C735A}" dt="2024-06-16T10:37:01.141" v="501" actId="478"/>
+          <ac:picMkLst>
+            <pc:docMk/>
+            <pc:sldMk cId="2127300494" sldId="267"/>
+            <ac:picMk id="5" creationId="{87A68384-B52D-C345-51D6-74AFDBE56946}"/>
+          </ac:picMkLst>
+        </pc:picChg>
+        <pc:picChg chg="add mod">
+          <ac:chgData name="jimmy vul" userId="d17b6e10bea0a50f" providerId="LiveId" clId="{83F5764A-8CEC-4539-BE3C-85D7FE7C735A}" dt="2024-06-16T15:42:34.101" v="601" actId="14100"/>
+          <ac:picMkLst>
+            <pc:docMk/>
+            <pc:sldMk cId="2127300494" sldId="267"/>
+            <ac:picMk id="7" creationId="{31746B21-9432-2B05-BB4F-8C63C94DB2A7}"/>
+          </ac:picMkLst>
+        </pc:picChg>
+        <pc:picChg chg="del">
+          <ac:chgData name="jimmy vul" userId="d17b6e10bea0a50f" providerId="LiveId" clId="{83F5764A-8CEC-4539-BE3C-85D7FE7C735A}" dt="2024-06-16T10:37:01.534" v="502" actId="478"/>
+          <ac:picMkLst>
+            <pc:docMk/>
+            <pc:sldMk cId="2127300494" sldId="267"/>
+            <ac:picMk id="8" creationId="{E2E08D34-9626-A5EE-10C0-ADE795BC2E3E}"/>
+          </ac:picMkLst>
+        </pc:picChg>
+      </pc:sldChg>
+      <pc:sldChg chg="addSp modSp add mod">
+        <pc:chgData name="jimmy vul" userId="d17b6e10bea0a50f" providerId="LiveId" clId="{83F5764A-8CEC-4539-BE3C-85D7FE7C735A}" dt="2024-06-16T16:00:58.530" v="941" actId="1076"/>
+        <pc:sldMkLst>
+          <pc:docMk/>
+          <pc:sldMk cId="3964007423" sldId="268"/>
+        </pc:sldMkLst>
+        <pc:spChg chg="add mod">
+          <ac:chgData name="jimmy vul" userId="d17b6e10bea0a50f" providerId="LiveId" clId="{83F5764A-8CEC-4539-BE3C-85D7FE7C735A}" dt="2024-06-16T16:00:58.530" v="941" actId="1076"/>
+          <ac:spMkLst>
+            <pc:docMk/>
+            <pc:sldMk cId="3964007423" sldId="268"/>
+            <ac:spMk id="2" creationId="{80A02DA8-6888-EB62-5263-9EF90E28BC63}"/>
+          </ac:spMkLst>
+        </pc:spChg>
+        <pc:spChg chg="mod">
+          <ac:chgData name="jimmy vul" userId="d17b6e10bea0a50f" providerId="LiveId" clId="{83F5764A-8CEC-4539-BE3C-85D7FE7C735A}" dt="2024-06-16T15:59:29.826" v="821" actId="20577"/>
+          <ac:spMkLst>
+            <pc:docMk/>
+            <pc:sldMk cId="3964007423" sldId="268"/>
+            <ac:spMk id="3" creationId="{C26E4CBC-CAC9-4604-AC73-7792108DBECB}"/>
+          </ac:spMkLst>
+        </pc:spChg>
+      </pc:sldChg>
+      <pc:sldChg chg="modSp add mod">
+        <pc:chgData name="jimmy vul" userId="d17b6e10bea0a50f" providerId="LiveId" clId="{83F5764A-8CEC-4539-BE3C-85D7FE7C735A}" dt="2024-06-16T15:59:48.185" v="828" actId="122"/>
+        <pc:sldMkLst>
+          <pc:docMk/>
+          <pc:sldMk cId="3519423554" sldId="269"/>
+        </pc:sldMkLst>
+        <pc:spChg chg="mod">
+          <ac:chgData name="jimmy vul" userId="d17b6e10bea0a50f" providerId="LiveId" clId="{83F5764A-8CEC-4539-BE3C-85D7FE7C735A}" dt="2024-06-16T15:59:48.185" v="828" actId="122"/>
+          <ac:spMkLst>
+            <pc:docMk/>
+            <pc:sldMk cId="3519423554" sldId="269"/>
+            <ac:spMk id="3" creationId="{C26E4CBC-CAC9-4604-AC73-7792108DBECB}"/>
+          </ac:spMkLst>
+        </pc:spChg>
+      </pc:sldChg>
+    </pc:docChg>
+  </pc:docChgLst>
+</pc:chgInfo>
 </file>
 
 <file path=ppt/slideLayouts/slideLayout1.xml><?xml version="1.0" encoding="utf-8"?>
@@ -257,7 +767,7 @@
           <a:p>
             <a:fld id="{DE4D31AF-5AA1-4284-A445-158203F48BE3}" type="datetimeFigureOut">
               <a:rPr lang="zh-TW" altLang="en-US" smtClean="0"/>
-              <a:t>2024/6/11</a:t>
+              <a:t>2024/6/14</a:t>
             </a:fld>
             <a:endParaRPr lang="zh-TW" altLang="en-US"/>
           </a:p>
@@ -455,7 +965,7 @@
           <a:p>
             <a:fld id="{DE4D31AF-5AA1-4284-A445-158203F48BE3}" type="datetimeFigureOut">
               <a:rPr lang="zh-TW" altLang="en-US" smtClean="0"/>
-              <a:t>2024/6/11</a:t>
+              <a:t>2024/6/14</a:t>
             </a:fld>
             <a:endParaRPr lang="zh-TW" altLang="en-US"/>
           </a:p>
@@ -663,7 +1173,7 @@
           <a:p>
             <a:fld id="{DE4D31AF-5AA1-4284-A445-158203F48BE3}" type="datetimeFigureOut">
               <a:rPr lang="zh-TW" altLang="en-US" smtClean="0"/>
-              <a:t>2024/6/11</a:t>
+              <a:t>2024/6/14</a:t>
             </a:fld>
             <a:endParaRPr lang="zh-TW" altLang="en-US"/>
           </a:p>
@@ -861,7 +1371,7 @@
           <a:p>
             <a:fld id="{DE4D31AF-5AA1-4284-A445-158203F48BE3}" type="datetimeFigureOut">
               <a:rPr lang="zh-TW" altLang="en-US" smtClean="0"/>
-              <a:t>2024/6/11</a:t>
+              <a:t>2024/6/14</a:t>
             </a:fld>
             <a:endParaRPr lang="zh-TW" altLang="en-US"/>
           </a:p>
@@ -1136,7 +1646,7 @@
           <a:p>
             <a:fld id="{DE4D31AF-5AA1-4284-A445-158203F48BE3}" type="datetimeFigureOut">
               <a:rPr lang="zh-TW" altLang="en-US" smtClean="0"/>
-              <a:t>2024/6/11</a:t>
+              <a:t>2024/6/14</a:t>
             </a:fld>
             <a:endParaRPr lang="zh-TW" altLang="en-US"/>
           </a:p>
@@ -1401,7 +1911,7 @@
           <a:p>
             <a:fld id="{DE4D31AF-5AA1-4284-A445-158203F48BE3}" type="datetimeFigureOut">
               <a:rPr lang="zh-TW" altLang="en-US" smtClean="0"/>
-              <a:t>2024/6/11</a:t>
+              <a:t>2024/6/14</a:t>
             </a:fld>
             <a:endParaRPr lang="zh-TW" altLang="en-US"/>
           </a:p>
@@ -1813,7 +2323,7 @@
           <a:p>
             <a:fld id="{DE4D31AF-5AA1-4284-A445-158203F48BE3}" type="datetimeFigureOut">
               <a:rPr lang="zh-TW" altLang="en-US" smtClean="0"/>
-              <a:t>2024/6/11</a:t>
+              <a:t>2024/6/14</a:t>
             </a:fld>
             <a:endParaRPr lang="zh-TW" altLang="en-US"/>
           </a:p>
@@ -1954,7 +2464,7 @@
           <a:p>
             <a:fld id="{DE4D31AF-5AA1-4284-A445-158203F48BE3}" type="datetimeFigureOut">
               <a:rPr lang="zh-TW" altLang="en-US" smtClean="0"/>
-              <a:t>2024/6/11</a:t>
+              <a:t>2024/6/14</a:t>
             </a:fld>
             <a:endParaRPr lang="zh-TW" altLang="en-US"/>
           </a:p>
@@ -2067,7 +2577,7 @@
           <a:p>
             <a:fld id="{DE4D31AF-5AA1-4284-A445-158203F48BE3}" type="datetimeFigureOut">
               <a:rPr lang="zh-TW" altLang="en-US" smtClean="0"/>
-              <a:t>2024/6/11</a:t>
+              <a:t>2024/6/14</a:t>
             </a:fld>
             <a:endParaRPr lang="zh-TW" altLang="en-US"/>
           </a:p>
@@ -2378,7 +2888,7 @@
           <a:p>
             <a:fld id="{DE4D31AF-5AA1-4284-A445-158203F48BE3}" type="datetimeFigureOut">
               <a:rPr lang="zh-TW" altLang="en-US" smtClean="0"/>
-              <a:t>2024/6/11</a:t>
+              <a:t>2024/6/14</a:t>
             </a:fld>
             <a:endParaRPr lang="zh-TW" altLang="en-US"/>
           </a:p>
@@ -2666,7 +3176,7 @@
           <a:p>
             <a:fld id="{DE4D31AF-5AA1-4284-A445-158203F48BE3}" type="datetimeFigureOut">
               <a:rPr lang="zh-TW" altLang="en-US" smtClean="0"/>
-              <a:t>2024/6/11</a:t>
+              <a:t>2024/6/14</a:t>
             </a:fld>
             <a:endParaRPr lang="zh-TW" altLang="en-US"/>
           </a:p>
@@ -2907,7 +3417,7 @@
           <a:p>
             <a:fld id="{DE4D31AF-5AA1-4284-A445-158203F48BE3}" type="datetimeFigureOut">
               <a:rPr lang="zh-TW" altLang="en-US" smtClean="0"/>
-              <a:t>2024/6/11</a:t>
+              <a:t>2024/6/14</a:t>
             </a:fld>
             <a:endParaRPr lang="zh-TW" altLang="en-US"/>
           </a:p>
@@ -3473,6 +3983,706 @@
 </p:sld>
 </file>
 
+<file path=ppt/slides/slide10.xml><?xml version="1.0" encoding="utf-8"?>
+<p:sld xmlns:a="http://schemas.openxmlformats.org/drawingml/2006/main" xmlns:r="http://schemas.openxmlformats.org/officeDocument/2006/relationships" xmlns:p="http://schemas.openxmlformats.org/presentationml/2006/main">
+  <p:cSld>
+    <p:spTree>
+      <p:nvGrpSpPr>
+        <p:cNvPr id="1" name=""/>
+        <p:cNvGrpSpPr/>
+        <p:nvPr/>
+      </p:nvGrpSpPr>
+      <p:grpSpPr>
+        <a:xfrm>
+          <a:off x="0" y="0"/>
+          <a:ext cx="0" cy="0"/>
+          <a:chOff x="0" y="0"/>
+          <a:chExt cx="0" cy="0"/>
+        </a:xfrm>
+      </p:grpSpPr>
+      <p:sp>
+        <p:nvSpPr>
+          <p:cNvPr id="3" name="副標題 2">
+            <a:extLst>
+              <a:ext uri="{FF2B5EF4-FFF2-40B4-BE49-F238E27FC236}">
+                <a16:creationId xmlns:a16="http://schemas.microsoft.com/office/drawing/2014/main" id="{C26E4CBC-CAC9-4604-AC73-7792108DBECB}"/>
+              </a:ext>
+            </a:extLst>
+          </p:cNvPr>
+          <p:cNvSpPr>
+            <a:spLocks noGrp="1"/>
+          </p:cNvSpPr>
+          <p:nvPr>
+            <p:ph type="subTitle" idx="1"/>
+          </p:nvPr>
+        </p:nvSpPr>
+        <p:spPr>
+          <a:xfrm>
+            <a:off x="238125" y="196737"/>
+            <a:ext cx="3819525" cy="498588"/>
+          </a:xfrm>
+        </p:spPr>
+        <p:txBody>
+          <a:bodyPr>
+            <a:normAutofit/>
+          </a:bodyPr>
+          <a:lstStyle/>
+          <a:p>
+            <a:pPr algn="l"/>
+            <a:r>
+              <a:rPr lang="zh-TW" altLang="en-US" sz="2800" dirty="0">
+                <a:latin typeface="微軟正黑體" panose="020B0604030504040204" pitchFamily="34" charset="-120"/>
+                <a:ea typeface="微軟正黑體" panose="020B0604030504040204" pitchFamily="34" charset="-120"/>
+              </a:rPr>
+              <a:t>圖表趨勢</a:t>
+            </a:r>
+            <a:endParaRPr lang="en-US" altLang="zh-TW" sz="2800" dirty="0">
+              <a:latin typeface="微軟正黑體" panose="020B0604030504040204" pitchFamily="34" charset="-120"/>
+              <a:ea typeface="微軟正黑體" panose="020B0604030504040204" pitchFamily="34" charset="-120"/>
+            </a:endParaRPr>
+          </a:p>
+        </p:txBody>
+      </p:sp>
+      <p:pic>
+        <p:nvPicPr>
+          <p:cNvPr id="7" name="圖片 6" descr="一張含有 文字, 圖表, 行, 繪圖 的圖片&#10;&#10;自動產生的描述">
+            <a:extLst>
+              <a:ext uri="{FF2B5EF4-FFF2-40B4-BE49-F238E27FC236}">
+                <a16:creationId xmlns:a16="http://schemas.microsoft.com/office/drawing/2014/main" id="{31746B21-9432-2B05-BB4F-8C63C94DB2A7}"/>
+              </a:ext>
+            </a:extLst>
+          </p:cNvPr>
+          <p:cNvPicPr>
+            <a:picLocks noChangeAspect="1"/>
+          </p:cNvPicPr>
+          <p:nvPr/>
+        </p:nvPicPr>
+        <p:blipFill>
+          <a:blip r:embed="rId2">
+            <a:extLst>
+              <a:ext uri="{28A0092B-C50C-407E-A947-70E740481C1C}">
+                <a14:useLocalDpi xmlns:a14="http://schemas.microsoft.com/office/drawing/2010/main" val="0"/>
+              </a:ext>
+            </a:extLst>
+          </a:blip>
+          <a:stretch>
+            <a:fillRect/>
+          </a:stretch>
+        </p:blipFill>
+        <p:spPr>
+          <a:xfrm>
+            <a:off x="138112" y="695325"/>
+            <a:ext cx="11772457" cy="5965938"/>
+          </a:xfrm>
+          <a:prstGeom prst="rect">
+            <a:avLst/>
+          </a:prstGeom>
+        </p:spPr>
+      </p:pic>
+      <p:sp>
+        <p:nvSpPr>
+          <p:cNvPr id="9" name="文字方塊 8">
+            <a:extLst>
+              <a:ext uri="{FF2B5EF4-FFF2-40B4-BE49-F238E27FC236}">
+                <a16:creationId xmlns:a16="http://schemas.microsoft.com/office/drawing/2014/main" id="{ED511A75-8A2B-3E7E-E711-1F611C61B575}"/>
+              </a:ext>
+            </a:extLst>
+          </p:cNvPr>
+          <p:cNvSpPr txBox="1"/>
+          <p:nvPr/>
+        </p:nvSpPr>
+        <p:spPr>
+          <a:xfrm>
+            <a:off x="4152900" y="3590925"/>
+            <a:ext cx="1104900" cy="369332"/>
+          </a:xfrm>
+          <a:prstGeom prst="rect">
+            <a:avLst/>
+          </a:prstGeom>
+        </p:spPr>
+        <p:style>
+          <a:lnRef idx="2">
+            <a:schemeClr val="dk1"/>
+          </a:lnRef>
+          <a:fillRef idx="1">
+            <a:schemeClr val="lt1"/>
+          </a:fillRef>
+          <a:effectRef idx="0">
+            <a:schemeClr val="dk1"/>
+          </a:effectRef>
+          <a:fontRef idx="minor">
+            <a:schemeClr val="dk1"/>
+          </a:fontRef>
+        </p:style>
+        <p:txBody>
+          <a:bodyPr wrap="square" rtlCol="0">
+            <a:spAutoFit/>
+          </a:bodyPr>
+          <a:lstStyle/>
+          <a:p>
+            <a:pPr algn="ctr"/>
+            <a:r>
+              <a:rPr lang="zh-TW" altLang="en-US" dirty="0">
+                <a:latin typeface="微軟正黑體" panose="020B0604030504040204" pitchFamily="34" charset="-120"/>
+                <a:ea typeface="微軟正黑體" panose="020B0604030504040204" pitchFamily="34" charset="-120"/>
+              </a:rPr>
+              <a:t>金融海嘯</a:t>
+            </a:r>
+          </a:p>
+        </p:txBody>
+      </p:sp>
+      <p:sp>
+        <p:nvSpPr>
+          <p:cNvPr id="10" name="文字方塊 9">
+            <a:extLst>
+              <a:ext uri="{FF2B5EF4-FFF2-40B4-BE49-F238E27FC236}">
+                <a16:creationId xmlns:a16="http://schemas.microsoft.com/office/drawing/2014/main" id="{B37F6278-673B-11C2-D2D3-BB26FA2E3809}"/>
+              </a:ext>
+            </a:extLst>
+          </p:cNvPr>
+          <p:cNvSpPr txBox="1"/>
+          <p:nvPr/>
+        </p:nvSpPr>
+        <p:spPr>
+          <a:xfrm>
+            <a:off x="5648325" y="3429000"/>
+            <a:ext cx="1104900" cy="369332"/>
+          </a:xfrm>
+          <a:prstGeom prst="rect">
+            <a:avLst/>
+          </a:prstGeom>
+        </p:spPr>
+        <p:style>
+          <a:lnRef idx="2">
+            <a:schemeClr val="dk1"/>
+          </a:lnRef>
+          <a:fillRef idx="1">
+            <a:schemeClr val="lt1"/>
+          </a:fillRef>
+          <a:effectRef idx="0">
+            <a:schemeClr val="dk1"/>
+          </a:effectRef>
+          <a:fontRef idx="minor">
+            <a:schemeClr val="dk1"/>
+          </a:fontRef>
+        </p:style>
+        <p:txBody>
+          <a:bodyPr wrap="square" rtlCol="0">
+            <a:spAutoFit/>
+          </a:bodyPr>
+          <a:lstStyle/>
+          <a:p>
+            <a:pPr algn="ctr"/>
+            <a:r>
+              <a:rPr lang="zh-TW" altLang="en-US" dirty="0">
+                <a:latin typeface="微軟正黑體" panose="020B0604030504040204" pitchFamily="34" charset="-120"/>
+                <a:ea typeface="微軟正黑體" panose="020B0604030504040204" pitchFamily="34" charset="-120"/>
+              </a:rPr>
+              <a:t>歐債危機</a:t>
+            </a:r>
+          </a:p>
+        </p:txBody>
+      </p:sp>
+      <p:sp>
+        <p:nvSpPr>
+          <p:cNvPr id="11" name="文字方塊 10">
+            <a:extLst>
+              <a:ext uri="{FF2B5EF4-FFF2-40B4-BE49-F238E27FC236}">
+                <a16:creationId xmlns:a16="http://schemas.microsoft.com/office/drawing/2014/main" id="{4A5B45BC-89F2-D5AE-5C95-4AD43A93A2EB}"/>
+              </a:ext>
+            </a:extLst>
+          </p:cNvPr>
+          <p:cNvSpPr txBox="1"/>
+          <p:nvPr/>
+        </p:nvSpPr>
+        <p:spPr>
+          <a:xfrm>
+            <a:off x="9077325" y="5010150"/>
+            <a:ext cx="1104900" cy="369332"/>
+          </a:xfrm>
+          <a:prstGeom prst="rect">
+            <a:avLst/>
+          </a:prstGeom>
+        </p:spPr>
+        <p:style>
+          <a:lnRef idx="2">
+            <a:schemeClr val="dk1"/>
+          </a:lnRef>
+          <a:fillRef idx="1">
+            <a:schemeClr val="lt1"/>
+          </a:fillRef>
+          <a:effectRef idx="0">
+            <a:schemeClr val="dk1"/>
+          </a:effectRef>
+          <a:fontRef idx="minor">
+            <a:schemeClr val="dk1"/>
+          </a:fontRef>
+        </p:style>
+        <p:txBody>
+          <a:bodyPr wrap="square" rtlCol="0">
+            <a:spAutoFit/>
+          </a:bodyPr>
+          <a:lstStyle/>
+          <a:p>
+            <a:pPr algn="ctr"/>
+            <a:r>
+              <a:rPr lang="zh-TW" altLang="en-US" dirty="0">
+                <a:latin typeface="微軟正黑體" panose="020B0604030504040204" pitchFamily="34" charset="-120"/>
+                <a:ea typeface="微軟正黑體" panose="020B0604030504040204" pitchFamily="34" charset="-120"/>
+              </a:rPr>
+              <a:t>新冠肺炎</a:t>
+            </a:r>
+          </a:p>
+        </p:txBody>
+      </p:sp>
+    </p:spTree>
+    <p:extLst>
+      <p:ext uri="{BB962C8B-B14F-4D97-AF65-F5344CB8AC3E}">
+        <p14:creationId xmlns:p14="http://schemas.microsoft.com/office/powerpoint/2010/main" val="2127300494"/>
+      </p:ext>
+    </p:extLst>
+  </p:cSld>
+  <p:clrMapOvr>
+    <a:masterClrMapping/>
+  </p:clrMapOvr>
+</p:sld>
+</file>
+
+<file path=ppt/slides/slide11.xml><?xml version="1.0" encoding="utf-8"?>
+<p:sld xmlns:a="http://schemas.openxmlformats.org/drawingml/2006/main" xmlns:r="http://schemas.openxmlformats.org/officeDocument/2006/relationships" xmlns:p="http://schemas.openxmlformats.org/presentationml/2006/main">
+  <p:cSld>
+    <p:spTree>
+      <p:nvGrpSpPr>
+        <p:cNvPr id="1" name=""/>
+        <p:cNvGrpSpPr/>
+        <p:nvPr/>
+      </p:nvGrpSpPr>
+      <p:grpSpPr>
+        <a:xfrm>
+          <a:off x="0" y="0"/>
+          <a:ext cx="0" cy="0"/>
+          <a:chOff x="0" y="0"/>
+          <a:chExt cx="0" cy="0"/>
+        </a:xfrm>
+      </p:grpSpPr>
+      <p:sp>
+        <p:nvSpPr>
+          <p:cNvPr id="3" name="副標題 2">
+            <a:extLst>
+              <a:ext uri="{FF2B5EF4-FFF2-40B4-BE49-F238E27FC236}">
+                <a16:creationId xmlns:a16="http://schemas.microsoft.com/office/drawing/2014/main" id="{C26E4CBC-CAC9-4604-AC73-7792108DBECB}"/>
+              </a:ext>
+            </a:extLst>
+          </p:cNvPr>
+          <p:cNvSpPr>
+            <a:spLocks noGrp="1"/>
+          </p:cNvSpPr>
+          <p:nvPr>
+            <p:ph type="subTitle" idx="1"/>
+          </p:nvPr>
+        </p:nvSpPr>
+        <p:spPr>
+          <a:xfrm>
+            <a:off x="933450" y="892062"/>
+            <a:ext cx="2038350" cy="489063"/>
+          </a:xfrm>
+        </p:spPr>
+        <p:txBody>
+          <a:bodyPr>
+            <a:normAutofit/>
+          </a:bodyPr>
+          <a:lstStyle/>
+          <a:p>
+            <a:pPr algn="l"/>
+            <a:r>
+              <a:rPr lang="zh-TW" altLang="en-US" sz="2800" dirty="0">
+                <a:latin typeface="微軟正黑體" panose="020B0604030504040204" pitchFamily="34" charset="-120"/>
+                <a:ea typeface="微軟正黑體" panose="020B0604030504040204" pitchFamily="34" charset="-120"/>
+              </a:rPr>
+              <a:t>結論</a:t>
+            </a:r>
+            <a:endParaRPr lang="en-US" altLang="zh-TW" sz="2800" dirty="0">
+              <a:latin typeface="微軟正黑體" panose="020B0604030504040204" pitchFamily="34" charset="-120"/>
+              <a:ea typeface="微軟正黑體" panose="020B0604030504040204" pitchFamily="34" charset="-120"/>
+            </a:endParaRPr>
+          </a:p>
+        </p:txBody>
+      </p:sp>
+    </p:spTree>
+    <p:extLst>
+      <p:ext uri="{BB962C8B-B14F-4D97-AF65-F5344CB8AC3E}">
+        <p14:creationId xmlns:p14="http://schemas.microsoft.com/office/powerpoint/2010/main" val="1329681848"/>
+      </p:ext>
+    </p:extLst>
+  </p:cSld>
+  <p:clrMapOvr>
+    <a:masterClrMapping/>
+  </p:clrMapOvr>
+</p:sld>
+</file>
+
+<file path=ppt/slides/slide12.xml><?xml version="1.0" encoding="utf-8"?>
+<p:sld xmlns:a="http://schemas.openxmlformats.org/drawingml/2006/main" xmlns:r="http://schemas.openxmlformats.org/officeDocument/2006/relationships" xmlns:p="http://schemas.openxmlformats.org/presentationml/2006/main">
+  <p:cSld>
+    <p:spTree>
+      <p:nvGrpSpPr>
+        <p:cNvPr id="1" name=""/>
+        <p:cNvGrpSpPr/>
+        <p:nvPr/>
+      </p:nvGrpSpPr>
+      <p:grpSpPr>
+        <a:xfrm>
+          <a:off x="0" y="0"/>
+          <a:ext cx="0" cy="0"/>
+          <a:chOff x="0" y="0"/>
+          <a:chExt cx="0" cy="0"/>
+        </a:xfrm>
+      </p:grpSpPr>
+      <p:sp>
+        <p:nvSpPr>
+          <p:cNvPr id="3" name="副標題 2">
+            <a:extLst>
+              <a:ext uri="{FF2B5EF4-FFF2-40B4-BE49-F238E27FC236}">
+                <a16:creationId xmlns:a16="http://schemas.microsoft.com/office/drawing/2014/main" id="{C26E4CBC-CAC9-4604-AC73-7792108DBECB}"/>
+              </a:ext>
+            </a:extLst>
+          </p:cNvPr>
+          <p:cNvSpPr>
+            <a:spLocks noGrp="1"/>
+          </p:cNvSpPr>
+          <p:nvPr>
+            <p:ph type="subTitle" idx="1"/>
+          </p:nvPr>
+        </p:nvSpPr>
+        <p:spPr>
+          <a:xfrm>
+            <a:off x="933450" y="892062"/>
+            <a:ext cx="2038350" cy="489063"/>
+          </a:xfrm>
+        </p:spPr>
+        <p:txBody>
+          <a:bodyPr>
+            <a:normAutofit/>
+          </a:bodyPr>
+          <a:lstStyle/>
+          <a:p>
+            <a:pPr algn="l"/>
+            <a:r>
+              <a:rPr lang="zh-TW" altLang="en-US" sz="2800" dirty="0">
+                <a:latin typeface="微軟正黑體" panose="020B0604030504040204" pitchFamily="34" charset="-120"/>
+                <a:ea typeface="微軟正黑體" panose="020B0604030504040204" pitchFamily="34" charset="-120"/>
+              </a:rPr>
+              <a:t>組員分工</a:t>
+            </a:r>
+            <a:endParaRPr lang="en-US" altLang="zh-TW" sz="2800" dirty="0">
+              <a:latin typeface="微軟正黑體" panose="020B0604030504040204" pitchFamily="34" charset="-120"/>
+              <a:ea typeface="微軟正黑體" panose="020B0604030504040204" pitchFamily="34" charset="-120"/>
+            </a:endParaRPr>
+          </a:p>
+        </p:txBody>
+      </p:sp>
+      <p:sp>
+        <p:nvSpPr>
+          <p:cNvPr id="2" name="副標題 2">
+            <a:extLst>
+              <a:ext uri="{FF2B5EF4-FFF2-40B4-BE49-F238E27FC236}">
+                <a16:creationId xmlns:a16="http://schemas.microsoft.com/office/drawing/2014/main" id="{80A02DA8-6888-EB62-5263-9EF90E28BC63}"/>
+              </a:ext>
+            </a:extLst>
+          </p:cNvPr>
+          <p:cNvSpPr txBox="1">
+            <a:spLocks/>
+          </p:cNvSpPr>
+          <p:nvPr/>
+        </p:nvSpPr>
+        <p:spPr>
+          <a:xfrm>
+            <a:off x="933450" y="2879668"/>
+            <a:ext cx="5324475" cy="1098663"/>
+          </a:xfrm>
+          <a:prstGeom prst="rect">
+            <a:avLst/>
+          </a:prstGeom>
+        </p:spPr>
+        <p:txBody>
+          <a:bodyPr vert="horz" lIns="91440" tIns="45720" rIns="91440" bIns="45720" rtlCol="0">
+            <a:normAutofit/>
+          </a:bodyPr>
+          <a:lstStyle>
+            <a:lvl1pPr marL="0" indent="0" algn="ctr" defTabSz="914400" rtl="0" eaLnBrk="1" latinLnBrk="0" hangingPunct="1">
+              <a:lnSpc>
+                <a:spcPct val="90000"/>
+              </a:lnSpc>
+              <a:spcBef>
+                <a:spcPts val="1000"/>
+              </a:spcBef>
+              <a:buFont typeface="Arial" panose="020B0604020202020204" pitchFamily="34" charset="0"/>
+              <a:buNone/>
+              <a:defRPr sz="2400" kern="1200">
+                <a:solidFill>
+                  <a:schemeClr val="tx1"/>
+                </a:solidFill>
+                <a:latin typeface="+mn-lt"/>
+                <a:ea typeface="+mn-ea"/>
+                <a:cs typeface="+mn-cs"/>
+              </a:defRPr>
+            </a:lvl1pPr>
+            <a:lvl2pPr marL="457200" indent="0" algn="ctr" defTabSz="914400" rtl="0" eaLnBrk="1" latinLnBrk="0" hangingPunct="1">
+              <a:lnSpc>
+                <a:spcPct val="90000"/>
+              </a:lnSpc>
+              <a:spcBef>
+                <a:spcPts val="500"/>
+              </a:spcBef>
+              <a:buFont typeface="Arial" panose="020B0604020202020204" pitchFamily="34" charset="0"/>
+              <a:buNone/>
+              <a:defRPr sz="2000" kern="1200">
+                <a:solidFill>
+                  <a:schemeClr val="tx1"/>
+                </a:solidFill>
+                <a:latin typeface="+mn-lt"/>
+                <a:ea typeface="+mn-ea"/>
+                <a:cs typeface="+mn-cs"/>
+              </a:defRPr>
+            </a:lvl2pPr>
+            <a:lvl3pPr marL="914400" indent="0" algn="ctr" defTabSz="914400" rtl="0" eaLnBrk="1" latinLnBrk="0" hangingPunct="1">
+              <a:lnSpc>
+                <a:spcPct val="90000"/>
+              </a:lnSpc>
+              <a:spcBef>
+                <a:spcPts val="500"/>
+              </a:spcBef>
+              <a:buFont typeface="Arial" panose="020B0604020202020204" pitchFamily="34" charset="0"/>
+              <a:buNone/>
+              <a:defRPr sz="1800" kern="1200">
+                <a:solidFill>
+                  <a:schemeClr val="tx1"/>
+                </a:solidFill>
+                <a:latin typeface="+mn-lt"/>
+                <a:ea typeface="+mn-ea"/>
+                <a:cs typeface="+mn-cs"/>
+              </a:defRPr>
+            </a:lvl3pPr>
+            <a:lvl4pPr marL="1371600" indent="0" algn="ctr" defTabSz="914400" rtl="0" eaLnBrk="1" latinLnBrk="0" hangingPunct="1">
+              <a:lnSpc>
+                <a:spcPct val="90000"/>
+              </a:lnSpc>
+              <a:spcBef>
+                <a:spcPts val="500"/>
+              </a:spcBef>
+              <a:buFont typeface="Arial" panose="020B0604020202020204" pitchFamily="34" charset="0"/>
+              <a:buNone/>
+              <a:defRPr sz="1600" kern="1200">
+                <a:solidFill>
+                  <a:schemeClr val="tx1"/>
+                </a:solidFill>
+                <a:latin typeface="+mn-lt"/>
+                <a:ea typeface="+mn-ea"/>
+                <a:cs typeface="+mn-cs"/>
+              </a:defRPr>
+            </a:lvl4pPr>
+            <a:lvl5pPr marL="1828800" indent="0" algn="ctr" defTabSz="914400" rtl="0" eaLnBrk="1" latinLnBrk="0" hangingPunct="1">
+              <a:lnSpc>
+                <a:spcPct val="90000"/>
+              </a:lnSpc>
+              <a:spcBef>
+                <a:spcPts val="500"/>
+              </a:spcBef>
+              <a:buFont typeface="Arial" panose="020B0604020202020204" pitchFamily="34" charset="0"/>
+              <a:buNone/>
+              <a:defRPr sz="1600" kern="1200">
+                <a:solidFill>
+                  <a:schemeClr val="tx1"/>
+                </a:solidFill>
+                <a:latin typeface="+mn-lt"/>
+                <a:ea typeface="+mn-ea"/>
+                <a:cs typeface="+mn-cs"/>
+              </a:defRPr>
+            </a:lvl5pPr>
+            <a:lvl6pPr marL="2286000" indent="0" algn="ctr" defTabSz="914400" rtl="0" eaLnBrk="1" latinLnBrk="0" hangingPunct="1">
+              <a:lnSpc>
+                <a:spcPct val="90000"/>
+              </a:lnSpc>
+              <a:spcBef>
+                <a:spcPts val="500"/>
+              </a:spcBef>
+              <a:buFont typeface="Arial" panose="020B0604020202020204" pitchFamily="34" charset="0"/>
+              <a:buNone/>
+              <a:defRPr sz="1600" kern="1200">
+                <a:solidFill>
+                  <a:schemeClr val="tx1"/>
+                </a:solidFill>
+                <a:latin typeface="+mn-lt"/>
+                <a:ea typeface="+mn-ea"/>
+                <a:cs typeface="+mn-cs"/>
+              </a:defRPr>
+            </a:lvl6pPr>
+            <a:lvl7pPr marL="2743200" indent="0" algn="ctr" defTabSz="914400" rtl="0" eaLnBrk="1" latinLnBrk="0" hangingPunct="1">
+              <a:lnSpc>
+                <a:spcPct val="90000"/>
+              </a:lnSpc>
+              <a:spcBef>
+                <a:spcPts val="500"/>
+              </a:spcBef>
+              <a:buFont typeface="Arial" panose="020B0604020202020204" pitchFamily="34" charset="0"/>
+              <a:buNone/>
+              <a:defRPr sz="1600" kern="1200">
+                <a:solidFill>
+                  <a:schemeClr val="tx1"/>
+                </a:solidFill>
+                <a:latin typeface="+mn-lt"/>
+                <a:ea typeface="+mn-ea"/>
+                <a:cs typeface="+mn-cs"/>
+              </a:defRPr>
+            </a:lvl7pPr>
+            <a:lvl8pPr marL="3200400" indent="0" algn="ctr" defTabSz="914400" rtl="0" eaLnBrk="1" latinLnBrk="0" hangingPunct="1">
+              <a:lnSpc>
+                <a:spcPct val="90000"/>
+              </a:lnSpc>
+              <a:spcBef>
+                <a:spcPts val="500"/>
+              </a:spcBef>
+              <a:buFont typeface="Arial" panose="020B0604020202020204" pitchFamily="34" charset="0"/>
+              <a:buNone/>
+              <a:defRPr sz="1600" kern="1200">
+                <a:solidFill>
+                  <a:schemeClr val="tx1"/>
+                </a:solidFill>
+                <a:latin typeface="+mn-lt"/>
+                <a:ea typeface="+mn-ea"/>
+                <a:cs typeface="+mn-cs"/>
+              </a:defRPr>
+            </a:lvl8pPr>
+            <a:lvl9pPr marL="3657600" indent="0" algn="ctr" defTabSz="914400" rtl="0" eaLnBrk="1" latinLnBrk="0" hangingPunct="1">
+              <a:lnSpc>
+                <a:spcPct val="90000"/>
+              </a:lnSpc>
+              <a:spcBef>
+                <a:spcPts val="500"/>
+              </a:spcBef>
+              <a:buFont typeface="Arial" panose="020B0604020202020204" pitchFamily="34" charset="0"/>
+              <a:buNone/>
+              <a:defRPr sz="1600" kern="1200">
+                <a:solidFill>
+                  <a:schemeClr val="tx1"/>
+                </a:solidFill>
+                <a:latin typeface="+mn-lt"/>
+                <a:ea typeface="+mn-ea"/>
+                <a:cs typeface="+mn-cs"/>
+              </a:defRPr>
+            </a:lvl9pPr>
+          </a:lstStyle>
+          <a:p>
+            <a:pPr algn="l"/>
+            <a:r>
+              <a:rPr lang="zh-TW" altLang="en-US" sz="2800" dirty="0">
+                <a:latin typeface="微軟正黑體" panose="020B0604030504040204" pitchFamily="34" charset="-120"/>
+                <a:ea typeface="微軟正黑體" panose="020B0604030504040204" pitchFamily="34" charset="-120"/>
+              </a:rPr>
+              <a:t>蕭銘斈：資料分析、上台報告</a:t>
+            </a:r>
+            <a:endParaRPr lang="en-US" altLang="zh-TW" sz="2800" dirty="0">
+              <a:latin typeface="微軟正黑體" panose="020B0604030504040204" pitchFamily="34" charset="-120"/>
+              <a:ea typeface="微軟正黑體" panose="020B0604030504040204" pitchFamily="34" charset="-120"/>
+            </a:endParaRPr>
+          </a:p>
+          <a:p>
+            <a:pPr algn="l"/>
+            <a:r>
+              <a:rPr lang="zh-TW" altLang="en-US" sz="2800" dirty="0">
+                <a:latin typeface="微軟正黑體" panose="020B0604030504040204" pitchFamily="34" charset="-120"/>
+                <a:ea typeface="微軟正黑體" panose="020B0604030504040204" pitchFamily="34" charset="-120"/>
+              </a:rPr>
+              <a:t>王興集：資料蒐集、報告製作</a:t>
+            </a:r>
+            <a:endParaRPr lang="en-US" altLang="zh-TW" sz="2800" dirty="0">
+              <a:latin typeface="微軟正黑體" panose="020B0604030504040204" pitchFamily="34" charset="-120"/>
+              <a:ea typeface="微軟正黑體" panose="020B0604030504040204" pitchFamily="34" charset="-120"/>
+            </a:endParaRPr>
+          </a:p>
+        </p:txBody>
+      </p:sp>
+    </p:spTree>
+    <p:extLst>
+      <p:ext uri="{BB962C8B-B14F-4D97-AF65-F5344CB8AC3E}">
+        <p14:creationId xmlns:p14="http://schemas.microsoft.com/office/powerpoint/2010/main" val="3964007423"/>
+      </p:ext>
+    </p:extLst>
+  </p:cSld>
+  <p:clrMapOvr>
+    <a:masterClrMapping/>
+  </p:clrMapOvr>
+</p:sld>
+</file>
+
+<file path=ppt/slides/slide13.xml><?xml version="1.0" encoding="utf-8"?>
+<p:sld xmlns:a="http://schemas.openxmlformats.org/drawingml/2006/main" xmlns:r="http://schemas.openxmlformats.org/officeDocument/2006/relationships" xmlns:p="http://schemas.openxmlformats.org/presentationml/2006/main">
+  <p:cSld>
+    <p:spTree>
+      <p:nvGrpSpPr>
+        <p:cNvPr id="1" name=""/>
+        <p:cNvGrpSpPr/>
+        <p:nvPr/>
+      </p:nvGrpSpPr>
+      <p:grpSpPr>
+        <a:xfrm>
+          <a:off x="0" y="0"/>
+          <a:ext cx="0" cy="0"/>
+          <a:chOff x="0" y="0"/>
+          <a:chExt cx="0" cy="0"/>
+        </a:xfrm>
+      </p:grpSpPr>
+      <p:sp>
+        <p:nvSpPr>
+          <p:cNvPr id="3" name="副標題 2">
+            <a:extLst>
+              <a:ext uri="{FF2B5EF4-FFF2-40B4-BE49-F238E27FC236}">
+                <a16:creationId xmlns:a16="http://schemas.microsoft.com/office/drawing/2014/main" id="{C26E4CBC-CAC9-4604-AC73-7792108DBECB}"/>
+              </a:ext>
+            </a:extLst>
+          </p:cNvPr>
+          <p:cNvSpPr>
+            <a:spLocks noGrp="1"/>
+          </p:cNvSpPr>
+          <p:nvPr>
+            <p:ph type="subTitle" idx="1"/>
+          </p:nvPr>
+        </p:nvSpPr>
+        <p:spPr>
+          <a:xfrm>
+            <a:off x="5076825" y="3184468"/>
+            <a:ext cx="2038350" cy="489063"/>
+          </a:xfrm>
+        </p:spPr>
+        <p:txBody>
+          <a:bodyPr>
+            <a:normAutofit/>
+          </a:bodyPr>
+          <a:lstStyle/>
+          <a:p>
+            <a:r>
+              <a:rPr lang="en-US" altLang="zh-TW" sz="2800" dirty="0">
+                <a:latin typeface="微軟正黑體" panose="020B0604030504040204" pitchFamily="34" charset="-120"/>
+                <a:ea typeface="微軟正黑體" panose="020B0604030504040204" pitchFamily="34" charset="-120"/>
+              </a:rPr>
+              <a:t>END</a:t>
+            </a:r>
+          </a:p>
+        </p:txBody>
+      </p:sp>
+    </p:spTree>
+    <p:extLst>
+      <p:ext uri="{BB962C8B-B14F-4D97-AF65-F5344CB8AC3E}">
+        <p14:creationId xmlns:p14="http://schemas.microsoft.com/office/powerpoint/2010/main" val="3519423554"/>
+      </p:ext>
+    </p:extLst>
+  </p:cSld>
+  <p:clrMapOvr>
+    <a:masterClrMapping/>
+  </p:clrMapOvr>
+</p:sld>
+</file>
+
 <file path=ppt/slides/slide2.xml><?xml version="1.0" encoding="utf-8"?>
 <p:sld xmlns:a="http://schemas.openxmlformats.org/drawingml/2006/main" xmlns:r="http://schemas.openxmlformats.org/officeDocument/2006/relationships" xmlns:p="http://schemas.openxmlformats.org/presentationml/2006/main">
   <p:cSld>
@@ -3508,13 +4718,13 @@
         </p:nvSpPr>
         <p:spPr>
           <a:xfrm>
-            <a:off x="1524000" y="1768362"/>
-            <a:ext cx="9144000" cy="3321276"/>
+            <a:off x="1524000" y="920636"/>
+            <a:ext cx="9144000" cy="4032363"/>
           </a:xfrm>
         </p:spPr>
         <p:txBody>
           <a:bodyPr>
-            <a:normAutofit/>
+            <a:normAutofit fontScale="92500" lnSpcReduction="10000"/>
           </a:bodyPr>
           <a:lstStyle/>
           <a:p>
@@ -3524,7 +4734,7 @@
                 <a:latin typeface="微軟正黑體" panose="020B0604030504040204" pitchFamily="34" charset="-120"/>
                 <a:ea typeface="微軟正黑體" panose="020B0604030504040204" pitchFamily="34" charset="-120"/>
               </a:rPr>
-              <a:t>研究範圍</a:t>
+              <a:t>目錄</a:t>
             </a:r>
             <a:endParaRPr lang="en-US" altLang="zh-TW" sz="2800" dirty="0">
               <a:latin typeface="微軟正黑體" panose="020B0604030504040204" pitchFamily="34" charset="-120"/>
@@ -3545,7 +4755,7 @@
                 <a:latin typeface="微軟正黑體" panose="020B0604030504040204" pitchFamily="34" charset="-120"/>
                 <a:ea typeface="微軟正黑體" panose="020B0604030504040204" pitchFamily="34" charset="-120"/>
               </a:rPr>
-              <a:t>資料：油價、台股加權指數、美國道瓊指數</a:t>
+              <a:t>研究目的</a:t>
             </a:r>
             <a:endParaRPr lang="en-US" altLang="zh-TW" sz="2800" dirty="0">
               <a:latin typeface="微軟正黑體" panose="020B0604030504040204" pitchFamily="34" charset="-120"/>
@@ -3559,47 +4769,96 @@
                 <a:latin typeface="微軟正黑體" panose="020B0604030504040204" pitchFamily="34" charset="-120"/>
                 <a:ea typeface="微軟正黑體" panose="020B0604030504040204" pitchFamily="34" charset="-120"/>
               </a:rPr>
-              <a:t>時間：</a:t>
-            </a:r>
-            <a:r>
-              <a:rPr lang="en-US" altLang="zh-TW" sz="2800" dirty="0">
-                <a:latin typeface="微軟正黑體" panose="020B0604030504040204" pitchFamily="34" charset="-120"/>
-                <a:ea typeface="微軟正黑體" panose="020B0604030504040204" pitchFamily="34" charset="-120"/>
-              </a:rPr>
-              <a:t>1999</a:t>
-            </a:r>
-            <a:r>
-              <a:rPr lang="zh-TW" altLang="en-US" sz="2800" dirty="0">
-                <a:latin typeface="微軟正黑體" panose="020B0604030504040204" pitchFamily="34" charset="-120"/>
-                <a:ea typeface="微軟正黑體" panose="020B0604030504040204" pitchFamily="34" charset="-120"/>
-              </a:rPr>
-              <a:t>年</a:t>
-            </a:r>
-            <a:r>
-              <a:rPr lang="en-US" altLang="zh-TW" sz="2800" dirty="0">
-                <a:latin typeface="微軟正黑體" panose="020B0604030504040204" pitchFamily="34" charset="-120"/>
-                <a:ea typeface="微軟正黑體" panose="020B0604030504040204" pitchFamily="34" charset="-120"/>
-              </a:rPr>
-              <a:t>~2023</a:t>
-            </a:r>
-            <a:r>
-              <a:rPr lang="zh-TW" altLang="en-US" sz="2800" dirty="0">
-                <a:latin typeface="微軟正黑體" panose="020B0604030504040204" pitchFamily="34" charset="-120"/>
-                <a:ea typeface="微軟正黑體" panose="020B0604030504040204" pitchFamily="34" charset="-120"/>
-              </a:rPr>
-              <a:t>年</a:t>
+              <a:t>研究範圍</a:t>
             </a:r>
             <a:endParaRPr lang="en-US" altLang="zh-TW" sz="2800" dirty="0">
               <a:latin typeface="微軟正黑體" panose="020B0604030504040204" pitchFamily="34" charset="-120"/>
               <a:ea typeface="微軟正黑體" panose="020B0604030504040204" pitchFamily="34" charset="-120"/>
             </a:endParaRPr>
           </a:p>
+          <a:p>
+            <a:pPr algn="l"/>
+            <a:r>
+              <a:rPr lang="zh-TW" altLang="en-US" sz="2800" dirty="0">
+                <a:latin typeface="微軟正黑體" panose="020B0604030504040204" pitchFamily="34" charset="-120"/>
+                <a:ea typeface="微軟正黑體" panose="020B0604030504040204" pitchFamily="34" charset="-120"/>
+              </a:rPr>
+              <a:t>資料來源</a:t>
+            </a:r>
+            <a:endParaRPr lang="en-US" altLang="zh-TW" sz="2800" dirty="0">
+              <a:latin typeface="微軟正黑體" panose="020B0604030504040204" pitchFamily="34" charset="-120"/>
+              <a:ea typeface="微軟正黑體" panose="020B0604030504040204" pitchFamily="34" charset="-120"/>
+            </a:endParaRPr>
+          </a:p>
+          <a:p>
+            <a:pPr algn="l"/>
+            <a:r>
+              <a:rPr lang="zh-TW" altLang="en-US" sz="2800" dirty="0">
+                <a:latin typeface="微軟正黑體" panose="020B0604030504040204" pitchFamily="34" charset="-120"/>
+                <a:ea typeface="微軟正黑體" panose="020B0604030504040204" pitchFamily="34" charset="-120"/>
+              </a:rPr>
+              <a:t>資料整理</a:t>
+            </a:r>
+            <a:endParaRPr lang="en-US" altLang="zh-TW" sz="2800" dirty="0">
+              <a:latin typeface="微軟正黑體" panose="020B0604030504040204" pitchFamily="34" charset="-120"/>
+              <a:ea typeface="微軟正黑體" panose="020B0604030504040204" pitchFamily="34" charset="-120"/>
+            </a:endParaRPr>
+          </a:p>
+          <a:p>
+            <a:pPr algn="l"/>
+            <a:r>
+              <a:rPr lang="zh-TW" altLang="en-US" sz="2800" dirty="0">
+                <a:latin typeface="微軟正黑體" panose="020B0604030504040204" pitchFamily="34" charset="-120"/>
+                <a:ea typeface="微軟正黑體" panose="020B0604030504040204" pitchFamily="34" charset="-120"/>
+              </a:rPr>
+              <a:t>圖表趨勢</a:t>
+            </a:r>
+            <a:endParaRPr lang="en-US" altLang="zh-TW" sz="2800" dirty="0">
+              <a:latin typeface="微軟正黑體" panose="020B0604030504040204" pitchFamily="34" charset="-120"/>
+              <a:ea typeface="微軟正黑體" panose="020B0604030504040204" pitchFamily="34" charset="-120"/>
+            </a:endParaRPr>
+          </a:p>
+          <a:p>
+            <a:pPr algn="l"/>
+            <a:r>
+              <a:rPr lang="zh-TW" altLang="en-US" sz="2800" dirty="0">
+                <a:latin typeface="微軟正黑體" panose="020B0604030504040204" pitchFamily="34" charset="-120"/>
+                <a:ea typeface="微軟正黑體" panose="020B0604030504040204" pitchFamily="34" charset="-120"/>
+              </a:rPr>
+              <a:t>結論</a:t>
+            </a:r>
+            <a:endParaRPr lang="en-US" altLang="zh-TW" sz="2800" dirty="0">
+              <a:latin typeface="微軟正黑體" panose="020B0604030504040204" pitchFamily="34" charset="-120"/>
+              <a:ea typeface="微軟正黑體" panose="020B0604030504040204" pitchFamily="34" charset="-120"/>
+            </a:endParaRPr>
+          </a:p>
+          <a:p>
+            <a:pPr algn="l"/>
+            <a:r>
+              <a:rPr lang="zh-TW" altLang="en-US" sz="2800" dirty="0">
+                <a:latin typeface="微軟正黑體" panose="020B0604030504040204" pitchFamily="34" charset="-120"/>
+                <a:ea typeface="微軟正黑體" panose="020B0604030504040204" pitchFamily="34" charset="-120"/>
+              </a:rPr>
+              <a:t>組員分工</a:t>
+            </a:r>
+            <a:endParaRPr lang="en-US" altLang="zh-TW" sz="2800" dirty="0">
+              <a:latin typeface="微軟正黑體" panose="020B0604030504040204" pitchFamily="34" charset="-120"/>
+              <a:ea typeface="微軟正黑體" panose="020B0604030504040204" pitchFamily="34" charset="-120"/>
+            </a:endParaRPr>
+          </a:p>
+          <a:p>
+            <a:pPr algn="l"/>
+            <a:endParaRPr lang="en-US" altLang="zh-TW" sz="2800" dirty="0">
+              <a:latin typeface="微軟正黑體" panose="020B0604030504040204" pitchFamily="34" charset="-120"/>
+              <a:ea typeface="微軟正黑體" panose="020B0604030504040204" pitchFamily="34" charset="-120"/>
+            </a:endParaRPr>
+          </a:p>
         </p:txBody>
       </p:sp>
     </p:spTree>
     <p:extLst>
       <p:ext uri="{BB962C8B-B14F-4D97-AF65-F5344CB8AC3E}">
-        <p14:creationId xmlns:p14="http://schemas.microsoft.com/office/powerpoint/2010/main" val="2087746997"/>
+        <p14:creationId xmlns:p14="http://schemas.microsoft.com/office/powerpoint/2010/main" val="458336760"/>
       </p:ext>
     </p:extLst>
   </p:cSld>
@@ -3644,32 +4903,32 @@
         </p:nvSpPr>
         <p:spPr>
           <a:xfrm>
-            <a:off x="1524000" y="2115959"/>
-            <a:ext cx="9144000" cy="2288732"/>
+            <a:off x="1524000" y="1768362"/>
+            <a:ext cx="9144000" cy="3603738"/>
           </a:xfrm>
         </p:spPr>
         <p:txBody>
           <a:bodyPr>
-            <a:normAutofit fontScale="92500" lnSpcReduction="10000"/>
+            <a:noAutofit/>
           </a:bodyPr>
           <a:lstStyle/>
           <a:p>
             <a:pPr algn="l"/>
             <a:r>
-              <a:rPr lang="zh-TW" altLang="en-US" sz="2800" dirty="0">
-                <a:latin typeface="微軟正黑體" panose="020B0604030504040204" pitchFamily="34" charset="-120"/>
-                <a:ea typeface="微軟正黑體" panose="020B0604030504040204" pitchFamily="34" charset="-120"/>
-              </a:rPr>
-              <a:t>資料取得</a:t>
-            </a:r>
-            <a:endParaRPr lang="en-US" altLang="zh-TW" sz="2800" dirty="0">
+              <a:rPr lang="zh-TW" altLang="en-US" dirty="0">
+                <a:latin typeface="微軟正黑體" panose="020B0604030504040204" pitchFamily="34" charset="-120"/>
+                <a:ea typeface="微軟正黑體" panose="020B0604030504040204" pitchFamily="34" charset="-120"/>
+              </a:rPr>
+              <a:t>研究範圍</a:t>
+            </a:r>
+            <a:endParaRPr lang="en-US" altLang="zh-TW" dirty="0">
               <a:latin typeface="微軟正黑體" panose="020B0604030504040204" pitchFamily="34" charset="-120"/>
               <a:ea typeface="微軟正黑體" panose="020B0604030504040204" pitchFamily="34" charset="-120"/>
             </a:endParaRPr>
           </a:p>
           <a:p>
             <a:pPr algn="l"/>
-            <a:endParaRPr lang="en-US" altLang="zh-TW" sz="2800" dirty="0">
+            <a:endParaRPr lang="en-US" altLang="zh-TW" dirty="0">
               <a:latin typeface="微軟正黑體" panose="020B0604030504040204" pitchFamily="34" charset="-120"/>
               <a:ea typeface="微軟正黑體" panose="020B0604030504040204" pitchFamily="34" charset="-120"/>
             </a:endParaRPr>
@@ -3677,30 +4936,27 @@
           <a:p>
             <a:pPr algn="l"/>
             <a:r>
-              <a:rPr lang="zh-TW" altLang="en-US" sz="2800" dirty="0">
-                <a:latin typeface="微軟正黑體" panose="020B0604030504040204" pitchFamily="34" charset="-120"/>
-                <a:ea typeface="微軟正黑體" panose="020B0604030504040204" pitchFamily="34" charset="-120"/>
-              </a:rPr>
-              <a:t>油價：</a:t>
+              <a:rPr lang="zh-TW" altLang="en-US" dirty="0">
+                <a:latin typeface="微軟正黑體" panose="020B0604030504040204" pitchFamily="34" charset="-120"/>
+                <a:ea typeface="微軟正黑體" panose="020B0604030504040204" pitchFamily="34" charset="-120"/>
+              </a:rPr>
+              <a:t>資料：台灣</a:t>
             </a:r>
             <a:r>
               <a:rPr lang="en-US" altLang="zh-TW" dirty="0">
-                <a:hlinkClick r:id="rId2"/>
-              </a:rPr>
-              <a:t>https://vipmbr.cpc.com.tw/mbwebs/ShowHistoryPrice_oil.aspx</a:t>
-            </a:r>
-            <a:endParaRPr lang="en-US" altLang="zh-TW" dirty="0"/>
-          </a:p>
-          <a:p>
-            <a:pPr algn="l"/>
-            <a:r>
-              <a:rPr lang="zh-TW" altLang="en-US" sz="2800" dirty="0">
-                <a:latin typeface="微軟正黑體" panose="020B0604030504040204" pitchFamily="34" charset="-120"/>
-                <a:ea typeface="微軟正黑體" panose="020B0604030504040204" pitchFamily="34" charset="-120"/>
-              </a:rPr>
-              <a:t>台股加權指數</a:t>
-            </a:r>
-            <a:endParaRPr lang="en-US" altLang="zh-TW" sz="2800" dirty="0">
+                <a:latin typeface="微軟正黑體" panose="020B0604030504040204" pitchFamily="34" charset="-120"/>
+                <a:ea typeface="微軟正黑體" panose="020B0604030504040204" pitchFamily="34" charset="-120"/>
+              </a:rPr>
+              <a:t>95</a:t>
+            </a:r>
+            <a:r>
+              <a:rPr lang="zh-TW" altLang="en-US" dirty="0">
+                <a:latin typeface="微軟正黑體" panose="020B0604030504040204" pitchFamily="34" charset="-120"/>
+                <a:ea typeface="微軟正黑體" panose="020B0604030504040204" pitchFamily="34" charset="-120"/>
+              </a:rPr>
+              <a:t>無鉛汽油</a:t>
+            </a:r>
+            <a:endParaRPr lang="en-US" altLang="zh-TW" dirty="0">
               <a:latin typeface="微軟正黑體" panose="020B0604030504040204" pitchFamily="34" charset="-120"/>
               <a:ea typeface="微軟正黑體" panose="020B0604030504040204" pitchFamily="34" charset="-120"/>
             </a:endParaRPr>
@@ -3708,31 +4964,128 @@
           <a:p>
             <a:pPr algn="l"/>
             <a:r>
-              <a:rPr lang="zh-TW" altLang="en-US" sz="2800" dirty="0">
-                <a:latin typeface="微軟正黑體" panose="020B0604030504040204" pitchFamily="34" charset="-120"/>
-                <a:ea typeface="微軟正黑體" panose="020B0604030504040204" pitchFamily="34" charset="-120"/>
-              </a:rPr>
-              <a:t>美國道瓊指數</a:t>
-            </a:r>
-            <a:endParaRPr lang="en-US" altLang="zh-TW" sz="2800" dirty="0"/>
-          </a:p>
-          <a:p>
-            <a:pPr algn="l"/>
-            <a:endParaRPr lang="en-US" altLang="zh-TW" dirty="0"/>
-          </a:p>
-          <a:p>
-            <a:pPr algn="l"/>
-            <a:endParaRPr lang="en-US" altLang="zh-TW" sz="2800" dirty="0">
+              <a:rPr lang="zh-TW" altLang="en-US" dirty="0">
+                <a:latin typeface="微軟正黑體" panose="020B0604030504040204" pitchFamily="34" charset="-120"/>
+                <a:ea typeface="微軟正黑體" panose="020B0604030504040204" pitchFamily="34" charset="-120"/>
+              </a:rPr>
+              <a:t>            國際原油價格</a:t>
+            </a:r>
+            <a:endParaRPr lang="en-US" altLang="zh-TW" dirty="0">
               <a:latin typeface="微軟正黑體" panose="020B0604030504040204" pitchFamily="34" charset="-120"/>
               <a:ea typeface="微軟正黑體" panose="020B0604030504040204" pitchFamily="34" charset="-120"/>
             </a:endParaRPr>
           </a:p>
+          <a:p>
+            <a:pPr algn="l"/>
+            <a:r>
+              <a:rPr lang="zh-TW" altLang="en-US" dirty="0">
+                <a:latin typeface="微軟正黑體" panose="020B0604030504040204" pitchFamily="34" charset="-120"/>
+                <a:ea typeface="微軟正黑體" panose="020B0604030504040204" pitchFamily="34" charset="-120"/>
+              </a:rPr>
+              <a:t>            台股加權指數</a:t>
+            </a:r>
+            <a:endParaRPr lang="en-US" altLang="zh-TW" dirty="0">
+              <a:latin typeface="微軟正黑體" panose="020B0604030504040204" pitchFamily="34" charset="-120"/>
+              <a:ea typeface="微軟正黑體" panose="020B0604030504040204" pitchFamily="34" charset="-120"/>
+            </a:endParaRPr>
+          </a:p>
+          <a:p>
+            <a:pPr algn="l"/>
+            <a:r>
+              <a:rPr lang="zh-TW" altLang="en-US" dirty="0">
+                <a:latin typeface="微軟正黑體" panose="020B0604030504040204" pitchFamily="34" charset="-120"/>
+                <a:ea typeface="微軟正黑體" panose="020B0604030504040204" pitchFamily="34" charset="-120"/>
+              </a:rPr>
+              <a:t>            道瓊工業指數</a:t>
+            </a:r>
+            <a:endParaRPr lang="en-US" altLang="zh-TW" dirty="0">
+              <a:latin typeface="微軟正黑體" panose="020B0604030504040204" pitchFamily="34" charset="-120"/>
+              <a:ea typeface="微軟正黑體" panose="020B0604030504040204" pitchFamily="34" charset="-120"/>
+            </a:endParaRPr>
+          </a:p>
+          <a:p>
+            <a:pPr algn="l"/>
+            <a:endParaRPr lang="en-US" altLang="zh-TW" dirty="0">
+              <a:latin typeface="微軟正黑體" panose="020B0604030504040204" pitchFamily="34" charset="-120"/>
+              <a:ea typeface="微軟正黑體" panose="020B0604030504040204" pitchFamily="34" charset="-120"/>
+            </a:endParaRPr>
+          </a:p>
+          <a:p>
+            <a:pPr algn="l"/>
+            <a:r>
+              <a:rPr lang="zh-TW" altLang="en-US" dirty="0">
+                <a:latin typeface="微軟正黑體" panose="020B0604030504040204" pitchFamily="34" charset="-120"/>
+                <a:ea typeface="微軟正黑體" panose="020B0604030504040204" pitchFamily="34" charset="-120"/>
+              </a:rPr>
+              <a:t>時間：</a:t>
+            </a:r>
+            <a:r>
+              <a:rPr lang="en-US" altLang="zh-TW" dirty="0">
+                <a:latin typeface="微軟正黑體" panose="020B0604030504040204" pitchFamily="34" charset="-120"/>
+                <a:ea typeface="微軟正黑體" panose="020B0604030504040204" pitchFamily="34" charset="-120"/>
+              </a:rPr>
+              <a:t>2000</a:t>
+            </a:r>
+            <a:r>
+              <a:rPr lang="zh-TW" altLang="en-US" dirty="0">
+                <a:latin typeface="微軟正黑體" panose="020B0604030504040204" pitchFamily="34" charset="-120"/>
+                <a:ea typeface="微軟正黑體" panose="020B0604030504040204" pitchFamily="34" charset="-120"/>
+              </a:rPr>
+              <a:t>年</a:t>
+            </a:r>
+            <a:r>
+              <a:rPr lang="en-US" altLang="zh-TW" dirty="0">
+                <a:latin typeface="微軟正黑體" panose="020B0604030504040204" pitchFamily="34" charset="-120"/>
+                <a:ea typeface="微軟正黑體" panose="020B0604030504040204" pitchFamily="34" charset="-120"/>
+              </a:rPr>
+              <a:t>1</a:t>
+            </a:r>
+            <a:r>
+              <a:rPr lang="zh-TW" altLang="en-US" dirty="0">
+                <a:latin typeface="微軟正黑體" panose="020B0604030504040204" pitchFamily="34" charset="-120"/>
+                <a:ea typeface="微軟正黑體" panose="020B0604030504040204" pitchFamily="34" charset="-120"/>
+              </a:rPr>
+              <a:t>月</a:t>
+            </a:r>
+            <a:r>
+              <a:rPr lang="en-US" altLang="zh-TW" dirty="0">
+                <a:latin typeface="微軟正黑體" panose="020B0604030504040204" pitchFamily="34" charset="-120"/>
+                <a:ea typeface="微軟正黑體" panose="020B0604030504040204" pitchFamily="34" charset="-120"/>
+              </a:rPr>
+              <a:t>~2023</a:t>
+            </a:r>
+            <a:r>
+              <a:rPr lang="zh-TW" altLang="en-US" dirty="0">
+                <a:latin typeface="微軟正黑體" panose="020B0604030504040204" pitchFamily="34" charset="-120"/>
+                <a:ea typeface="微軟正黑體" panose="020B0604030504040204" pitchFamily="34" charset="-120"/>
+              </a:rPr>
+              <a:t>年</a:t>
+            </a:r>
+            <a:r>
+              <a:rPr lang="en-US" altLang="zh-TW" dirty="0">
+                <a:latin typeface="微軟正黑體" panose="020B0604030504040204" pitchFamily="34" charset="-120"/>
+                <a:ea typeface="微軟正黑體" panose="020B0604030504040204" pitchFamily="34" charset="-120"/>
+              </a:rPr>
+              <a:t>12</a:t>
+            </a:r>
+            <a:r>
+              <a:rPr lang="zh-TW" altLang="en-US" dirty="0">
+                <a:latin typeface="微軟正黑體" panose="020B0604030504040204" pitchFamily="34" charset="-120"/>
+                <a:ea typeface="微軟正黑體" panose="020B0604030504040204" pitchFamily="34" charset="-120"/>
+              </a:rPr>
+              <a:t>月</a:t>
+            </a:r>
+            <a:endParaRPr lang="en-US" altLang="zh-TW" dirty="0">
+              <a:latin typeface="微軟正黑體" panose="020B0604030504040204" pitchFamily="34" charset="-120"/>
+              <a:ea typeface="微軟正黑體" panose="020B0604030504040204" pitchFamily="34" charset="-120"/>
+            </a:endParaRPr>
+          </a:p>
         </p:txBody>
       </p:sp>
     </p:spTree>
     <p:extLst>
       <p:ext uri="{BB962C8B-B14F-4D97-AF65-F5344CB8AC3E}">
-        <p14:creationId xmlns:p14="http://schemas.microsoft.com/office/powerpoint/2010/main" val="1490411629"/>
+        <p14:creationId xmlns:p14="http://schemas.microsoft.com/office/powerpoint/2010/main" val="2087746997"/>
       </p:ext>
     </p:extLst>
   </p:cSld>
@@ -3777,8 +5130,563 @@
         </p:nvSpPr>
         <p:spPr>
           <a:xfrm>
-            <a:off x="1524000" y="1768362"/>
-            <a:ext cx="9144000" cy="3321276"/>
+            <a:off x="733425" y="410984"/>
+            <a:ext cx="1876425" cy="408166"/>
+          </a:xfrm>
+        </p:spPr>
+        <p:txBody>
+          <a:bodyPr>
+            <a:normAutofit lnSpcReduction="10000"/>
+          </a:bodyPr>
+          <a:lstStyle/>
+          <a:p>
+            <a:pPr algn="l"/>
+            <a:r>
+              <a:rPr lang="zh-TW" altLang="en-US" dirty="0">
+                <a:latin typeface="微軟正黑體" panose="020B0604030504040204" pitchFamily="34" charset="-120"/>
+                <a:ea typeface="微軟正黑體" panose="020B0604030504040204" pitchFamily="34" charset="-120"/>
+              </a:rPr>
+              <a:t>資料取得</a:t>
+            </a:r>
+            <a:endParaRPr lang="en-US" altLang="zh-TW" dirty="0">
+              <a:latin typeface="微軟正黑體" panose="020B0604030504040204" pitchFamily="34" charset="-120"/>
+              <a:ea typeface="微軟正黑體" panose="020B0604030504040204" pitchFamily="34" charset="-120"/>
+            </a:endParaRPr>
+          </a:p>
+        </p:txBody>
+      </p:sp>
+      <p:sp>
+        <p:nvSpPr>
+          <p:cNvPr id="4" name="文字方塊 3">
+            <a:extLst>
+              <a:ext uri="{FF2B5EF4-FFF2-40B4-BE49-F238E27FC236}">
+                <a16:creationId xmlns:a16="http://schemas.microsoft.com/office/drawing/2014/main" id="{5DA26CA7-23E5-C351-CE7E-80C392F9A299}"/>
+              </a:ext>
+            </a:extLst>
+          </p:cNvPr>
+          <p:cNvSpPr txBox="1"/>
+          <p:nvPr/>
+        </p:nvSpPr>
+        <p:spPr>
+          <a:xfrm>
+            <a:off x="733425" y="946488"/>
+            <a:ext cx="6096000" cy="369332"/>
+          </a:xfrm>
+          <a:prstGeom prst="rect">
+            <a:avLst/>
+          </a:prstGeom>
+          <a:noFill/>
+        </p:spPr>
+        <p:txBody>
+          <a:bodyPr wrap="square">
+            <a:spAutoFit/>
+          </a:bodyPr>
+          <a:lstStyle/>
+          <a:p>
+            <a:pPr algn="l"/>
+            <a:r>
+              <a:rPr lang="zh-TW" altLang="en-US" dirty="0">
+                <a:latin typeface="微軟正黑體" panose="020B0604030504040204" pitchFamily="34" charset="-120"/>
+                <a:ea typeface="微軟正黑體" panose="020B0604030504040204" pitchFamily="34" charset="-120"/>
+              </a:rPr>
+              <a:t>台灣油價 </a:t>
+            </a:r>
+            <a:r>
+              <a:rPr lang="en-US" altLang="zh-TW" dirty="0">
+                <a:latin typeface="微軟正黑體" panose="020B0604030504040204" pitchFamily="34" charset="-120"/>
+                <a:ea typeface="微軟正黑體" panose="020B0604030504040204" pitchFamily="34" charset="-120"/>
+              </a:rPr>
+              <a:t>(95</a:t>
+            </a:r>
+            <a:r>
+              <a:rPr lang="zh-TW" altLang="en-US" dirty="0">
+                <a:latin typeface="微軟正黑體" panose="020B0604030504040204" pitchFamily="34" charset="-120"/>
+                <a:ea typeface="微軟正黑體" panose="020B0604030504040204" pitchFamily="34" charset="-120"/>
+              </a:rPr>
+              <a:t>無鉛汽油</a:t>
+            </a:r>
+            <a:r>
+              <a:rPr lang="en-US" altLang="zh-TW" dirty="0">
+                <a:latin typeface="微軟正黑體" panose="020B0604030504040204" pitchFamily="34" charset="-120"/>
+                <a:ea typeface="微軟正黑體" panose="020B0604030504040204" pitchFamily="34" charset="-120"/>
+              </a:rPr>
+              <a:t>)</a:t>
+            </a:r>
+            <a:r>
+              <a:rPr lang="zh-TW" altLang="en-US" dirty="0">
+                <a:latin typeface="微軟正黑體" panose="020B0604030504040204" pitchFamily="34" charset="-120"/>
+                <a:ea typeface="微軟正黑體" panose="020B0604030504040204" pitchFamily="34" charset="-120"/>
+              </a:rPr>
+              <a:t>：</a:t>
+            </a:r>
+            <a:r>
+              <a:rPr lang="zh-TW" altLang="en-US" dirty="0">
+                <a:latin typeface="微軟正黑體" panose="020B0604030504040204" pitchFamily="34" charset="-120"/>
+                <a:ea typeface="微軟正黑體" panose="020B0604030504040204" pitchFamily="34" charset="-120"/>
+                <a:hlinkClick r:id="rId2"/>
+              </a:rPr>
+              <a:t>台灣中油</a:t>
+            </a:r>
+            <a:endParaRPr lang="en-US" altLang="zh-TW" dirty="0">
+              <a:latin typeface="微軟正黑體" panose="020B0604030504040204" pitchFamily="34" charset="-120"/>
+              <a:ea typeface="微軟正黑體" panose="020B0604030504040204" pitchFamily="34" charset="-120"/>
+            </a:endParaRPr>
+          </a:p>
+        </p:txBody>
+      </p:sp>
+      <p:sp>
+        <p:nvSpPr>
+          <p:cNvPr id="6" name="文字方塊 5">
+            <a:extLst>
+              <a:ext uri="{FF2B5EF4-FFF2-40B4-BE49-F238E27FC236}">
+                <a16:creationId xmlns:a16="http://schemas.microsoft.com/office/drawing/2014/main" id="{225347E8-3AC9-A1FE-E527-D9E9552D7497}"/>
+              </a:ext>
+            </a:extLst>
+          </p:cNvPr>
+          <p:cNvSpPr txBox="1"/>
+          <p:nvPr/>
+        </p:nvSpPr>
+        <p:spPr>
+          <a:xfrm>
+            <a:off x="6486525" y="946488"/>
+            <a:ext cx="6096000" cy="369332"/>
+          </a:xfrm>
+          <a:prstGeom prst="rect">
+            <a:avLst/>
+          </a:prstGeom>
+          <a:noFill/>
+        </p:spPr>
+        <p:txBody>
+          <a:bodyPr wrap="square">
+            <a:spAutoFit/>
+          </a:bodyPr>
+          <a:lstStyle/>
+          <a:p>
+            <a:pPr algn="l"/>
+            <a:r>
+              <a:rPr lang="zh-TW" altLang="en-US" dirty="0">
+                <a:latin typeface="微軟正黑體" panose="020B0604030504040204" pitchFamily="34" charset="-120"/>
+                <a:ea typeface="微軟正黑體" panose="020B0604030504040204" pitchFamily="34" charset="-120"/>
+              </a:rPr>
+              <a:t>國際原油價格 </a:t>
+            </a:r>
+            <a:r>
+              <a:rPr lang="en-US" altLang="zh-TW" dirty="0">
+                <a:latin typeface="微軟正黑體" panose="020B0604030504040204" pitchFamily="34" charset="-120"/>
+                <a:ea typeface="微軟正黑體" panose="020B0604030504040204" pitchFamily="34" charset="-120"/>
+              </a:rPr>
+              <a:t>(</a:t>
+            </a:r>
+            <a:r>
+              <a:rPr lang="zh-TW" altLang="en-US" dirty="0">
+                <a:latin typeface="微軟正黑體" panose="020B0604030504040204" pitchFamily="34" charset="-120"/>
+                <a:ea typeface="微軟正黑體" panose="020B0604030504040204" pitchFamily="34" charset="-120"/>
+              </a:rPr>
+              <a:t>杜拜</a:t>
+            </a:r>
+            <a:r>
+              <a:rPr lang="en-US" altLang="zh-TW" dirty="0">
+                <a:latin typeface="微軟正黑體" panose="020B0604030504040204" pitchFamily="34" charset="-120"/>
+                <a:ea typeface="微軟正黑體" panose="020B0604030504040204" pitchFamily="34" charset="-120"/>
+              </a:rPr>
+              <a:t>)</a:t>
+            </a:r>
+            <a:r>
+              <a:rPr lang="zh-TW" altLang="en-US" dirty="0">
+                <a:latin typeface="微軟正黑體" panose="020B0604030504040204" pitchFamily="34" charset="-120"/>
+                <a:ea typeface="微軟正黑體" panose="020B0604030504040204" pitchFamily="34" charset="-120"/>
+              </a:rPr>
+              <a:t>：</a:t>
+            </a:r>
+            <a:r>
+              <a:rPr lang="zh-TW" altLang="en-US" dirty="0">
+                <a:latin typeface="微軟正黑體" panose="020B0604030504040204" pitchFamily="34" charset="-120"/>
+                <a:ea typeface="微軟正黑體" panose="020B0604030504040204" pitchFamily="34" charset="-120"/>
+                <a:hlinkClick r:id="rId3"/>
+              </a:rPr>
+              <a:t>經濟部能源署</a:t>
+            </a:r>
+            <a:endParaRPr lang="en-US" altLang="zh-TW" dirty="0">
+              <a:latin typeface="微軟正黑體" panose="020B0604030504040204" pitchFamily="34" charset="-120"/>
+              <a:ea typeface="微軟正黑體" panose="020B0604030504040204" pitchFamily="34" charset="-120"/>
+            </a:endParaRPr>
+          </a:p>
+        </p:txBody>
+      </p:sp>
+      <p:pic>
+        <p:nvPicPr>
+          <p:cNvPr id="10" name="圖片 9" descr="一張含有 文字, 數字, 螢幕擷取畫面, 平行 的圖片&#10;&#10;自動產生的描述">
+            <a:extLst>
+              <a:ext uri="{FF2B5EF4-FFF2-40B4-BE49-F238E27FC236}">
+                <a16:creationId xmlns:a16="http://schemas.microsoft.com/office/drawing/2014/main" id="{9EC9C8D2-35F2-C4F5-10DC-99490136E52C}"/>
+              </a:ext>
+            </a:extLst>
+          </p:cNvPr>
+          <p:cNvPicPr>
+            <a:picLocks noChangeAspect="1"/>
+          </p:cNvPicPr>
+          <p:nvPr/>
+        </p:nvPicPr>
+        <p:blipFill>
+          <a:blip r:embed="rId4">
+            <a:extLst>
+              <a:ext uri="{28A0092B-C50C-407E-A947-70E740481C1C}">
+                <a14:useLocalDpi xmlns:a14="http://schemas.microsoft.com/office/drawing/2010/main" val="0"/>
+              </a:ext>
+            </a:extLst>
+          </a:blip>
+          <a:stretch>
+            <a:fillRect/>
+          </a:stretch>
+        </p:blipFill>
+        <p:spPr>
+          <a:xfrm>
+            <a:off x="390524" y="1848423"/>
+            <a:ext cx="5581651" cy="2641187"/>
+          </a:xfrm>
+          <a:prstGeom prst="rect">
+            <a:avLst/>
+          </a:prstGeom>
+        </p:spPr>
+      </p:pic>
+      <p:pic>
+        <p:nvPicPr>
+          <p:cNvPr id="12" name="圖片 11" descr="一張含有 文字, 螢幕擷取畫面, 數字, 軟體 的圖片&#10;&#10;自動產生的描述">
+            <a:extLst>
+              <a:ext uri="{FF2B5EF4-FFF2-40B4-BE49-F238E27FC236}">
+                <a16:creationId xmlns:a16="http://schemas.microsoft.com/office/drawing/2014/main" id="{B14BCCBA-FCEC-9814-888B-5FAA0B90DEA9}"/>
+              </a:ext>
+            </a:extLst>
+          </p:cNvPr>
+          <p:cNvPicPr>
+            <a:picLocks noChangeAspect="1"/>
+          </p:cNvPicPr>
+          <p:nvPr/>
+        </p:nvPicPr>
+        <p:blipFill>
+          <a:blip r:embed="rId5">
+            <a:extLst>
+              <a:ext uri="{28A0092B-C50C-407E-A947-70E740481C1C}">
+                <a14:useLocalDpi xmlns:a14="http://schemas.microsoft.com/office/drawing/2010/main" val="0"/>
+              </a:ext>
+            </a:extLst>
+          </a:blip>
+          <a:stretch>
+            <a:fillRect/>
+          </a:stretch>
+        </p:blipFill>
+        <p:spPr>
+          <a:xfrm>
+            <a:off x="6222733" y="1848423"/>
+            <a:ext cx="5578744" cy="2641187"/>
+          </a:xfrm>
+          <a:prstGeom prst="rect">
+            <a:avLst/>
+          </a:prstGeom>
+        </p:spPr>
+      </p:pic>
+    </p:spTree>
+    <p:extLst>
+      <p:ext uri="{BB962C8B-B14F-4D97-AF65-F5344CB8AC3E}">
+        <p14:creationId xmlns:p14="http://schemas.microsoft.com/office/powerpoint/2010/main" val="1490411629"/>
+      </p:ext>
+    </p:extLst>
+  </p:cSld>
+  <p:clrMapOvr>
+    <a:masterClrMapping/>
+  </p:clrMapOvr>
+</p:sld>
+</file>
+
+<file path=ppt/slides/slide5.xml><?xml version="1.0" encoding="utf-8"?>
+<p:sld xmlns:a="http://schemas.openxmlformats.org/drawingml/2006/main" xmlns:r="http://schemas.openxmlformats.org/officeDocument/2006/relationships" xmlns:p="http://schemas.openxmlformats.org/presentationml/2006/main">
+  <p:cSld>
+    <p:spTree>
+      <p:nvGrpSpPr>
+        <p:cNvPr id="1" name=""/>
+        <p:cNvGrpSpPr/>
+        <p:nvPr/>
+      </p:nvGrpSpPr>
+      <p:grpSpPr>
+        <a:xfrm>
+          <a:off x="0" y="0"/>
+          <a:ext cx="0" cy="0"/>
+          <a:chOff x="0" y="0"/>
+          <a:chExt cx="0" cy="0"/>
+        </a:xfrm>
+      </p:grpSpPr>
+      <p:sp>
+        <p:nvSpPr>
+          <p:cNvPr id="3" name="副標題 2">
+            <a:extLst>
+              <a:ext uri="{FF2B5EF4-FFF2-40B4-BE49-F238E27FC236}">
+                <a16:creationId xmlns:a16="http://schemas.microsoft.com/office/drawing/2014/main" id="{C26E4CBC-CAC9-4604-AC73-7792108DBECB}"/>
+              </a:ext>
+            </a:extLst>
+          </p:cNvPr>
+          <p:cNvSpPr>
+            <a:spLocks noGrp="1"/>
+          </p:cNvSpPr>
+          <p:nvPr>
+            <p:ph type="subTitle" idx="1"/>
+          </p:nvPr>
+        </p:nvSpPr>
+        <p:spPr>
+          <a:xfrm>
+            <a:off x="733425" y="410984"/>
+            <a:ext cx="1876425" cy="408166"/>
+          </a:xfrm>
+        </p:spPr>
+        <p:txBody>
+          <a:bodyPr>
+            <a:normAutofit lnSpcReduction="10000"/>
+          </a:bodyPr>
+          <a:lstStyle/>
+          <a:p>
+            <a:pPr algn="l"/>
+            <a:r>
+              <a:rPr lang="zh-TW" altLang="en-US" dirty="0">
+                <a:latin typeface="微軟正黑體" panose="020B0604030504040204" pitchFamily="34" charset="-120"/>
+                <a:ea typeface="微軟正黑體" panose="020B0604030504040204" pitchFamily="34" charset="-120"/>
+              </a:rPr>
+              <a:t>資料取得</a:t>
+            </a:r>
+            <a:endParaRPr lang="en-US" altLang="zh-TW" dirty="0">
+              <a:latin typeface="微軟正黑體" panose="020B0604030504040204" pitchFamily="34" charset="-120"/>
+              <a:ea typeface="微軟正黑體" panose="020B0604030504040204" pitchFamily="34" charset="-120"/>
+            </a:endParaRPr>
+          </a:p>
+        </p:txBody>
+      </p:sp>
+      <p:sp>
+        <p:nvSpPr>
+          <p:cNvPr id="8" name="文字方塊 7">
+            <a:extLst>
+              <a:ext uri="{FF2B5EF4-FFF2-40B4-BE49-F238E27FC236}">
+                <a16:creationId xmlns:a16="http://schemas.microsoft.com/office/drawing/2014/main" id="{3F5B2060-67CB-2BFF-3F76-D32C586D3F94}"/>
+              </a:ext>
+            </a:extLst>
+          </p:cNvPr>
+          <p:cNvSpPr txBox="1"/>
+          <p:nvPr/>
+        </p:nvSpPr>
+        <p:spPr>
+          <a:xfrm>
+            <a:off x="733425" y="946488"/>
+            <a:ext cx="6291262" cy="369332"/>
+          </a:xfrm>
+          <a:prstGeom prst="rect">
+            <a:avLst/>
+          </a:prstGeom>
+          <a:noFill/>
+        </p:spPr>
+        <p:txBody>
+          <a:bodyPr wrap="square">
+            <a:spAutoFit/>
+          </a:bodyPr>
+          <a:lstStyle/>
+          <a:p>
+            <a:pPr algn="l"/>
+            <a:r>
+              <a:rPr lang="zh-TW" altLang="en-US" dirty="0">
+                <a:latin typeface="微軟正黑體" panose="020B0604030504040204" pitchFamily="34" charset="-120"/>
+                <a:ea typeface="微軟正黑體" panose="020B0604030504040204" pitchFamily="34" charset="-120"/>
+              </a:rPr>
+              <a:t>台股加權指數：</a:t>
+            </a:r>
+            <a:r>
+              <a:rPr lang="en-US" altLang="zh-TW" dirty="0">
+                <a:latin typeface="微軟正黑體" panose="020B0604030504040204" pitchFamily="34" charset="-120"/>
+                <a:ea typeface="微軟正黑體" panose="020B0604030504040204" pitchFamily="34" charset="-120"/>
+                <a:hlinkClick r:id="rId2"/>
+              </a:rPr>
+              <a:t>Yahoo</a:t>
+            </a:r>
+            <a:r>
+              <a:rPr lang="zh-TW" altLang="en-US" dirty="0">
+                <a:latin typeface="微軟正黑體" panose="020B0604030504040204" pitchFamily="34" charset="-120"/>
+                <a:ea typeface="微軟正黑體" panose="020B0604030504040204" pitchFamily="34" charset="-120"/>
+                <a:hlinkClick r:id="rId2"/>
+              </a:rPr>
+              <a:t>財經</a:t>
+            </a:r>
+            <a:endParaRPr lang="zh-TW" altLang="en-US" dirty="0">
+              <a:latin typeface="微軟正黑體" panose="020B0604030504040204" pitchFamily="34" charset="-120"/>
+              <a:ea typeface="微軟正黑體" panose="020B0604030504040204" pitchFamily="34" charset="-120"/>
+            </a:endParaRPr>
+          </a:p>
+        </p:txBody>
+      </p:sp>
+      <p:sp>
+        <p:nvSpPr>
+          <p:cNvPr id="2" name="文字方塊 1">
+            <a:extLst>
+              <a:ext uri="{FF2B5EF4-FFF2-40B4-BE49-F238E27FC236}">
+                <a16:creationId xmlns:a16="http://schemas.microsoft.com/office/drawing/2014/main" id="{2D78E428-A729-01B7-7C2C-6D0E11D71C33}"/>
+              </a:ext>
+            </a:extLst>
+          </p:cNvPr>
+          <p:cNvSpPr txBox="1"/>
+          <p:nvPr/>
+        </p:nvSpPr>
+        <p:spPr>
+          <a:xfrm>
+            <a:off x="6096000" y="946488"/>
+            <a:ext cx="6291262" cy="369332"/>
+          </a:xfrm>
+          <a:prstGeom prst="rect">
+            <a:avLst/>
+          </a:prstGeom>
+          <a:noFill/>
+        </p:spPr>
+        <p:txBody>
+          <a:bodyPr wrap="square">
+            <a:spAutoFit/>
+          </a:bodyPr>
+          <a:lstStyle/>
+          <a:p>
+            <a:pPr algn="l"/>
+            <a:r>
+              <a:rPr lang="zh-TW" altLang="en-US" dirty="0">
+                <a:latin typeface="微軟正黑體" panose="020B0604030504040204" pitchFamily="34" charset="-120"/>
+                <a:ea typeface="微軟正黑體" panose="020B0604030504040204" pitchFamily="34" charset="-120"/>
+              </a:rPr>
+              <a:t>道瓊工業指數：</a:t>
+            </a:r>
+            <a:r>
+              <a:rPr lang="en-US" altLang="zh-TW" dirty="0">
+                <a:latin typeface="微軟正黑體" panose="020B0604030504040204" pitchFamily="34" charset="-120"/>
+                <a:ea typeface="微軟正黑體" panose="020B0604030504040204" pitchFamily="34" charset="-120"/>
+                <a:hlinkClick r:id="rId3"/>
+              </a:rPr>
+              <a:t>Investing.com</a:t>
+            </a:r>
+            <a:endParaRPr lang="en-US" altLang="zh-TW" dirty="0"/>
+          </a:p>
+        </p:txBody>
+      </p:sp>
+      <p:pic>
+        <p:nvPicPr>
+          <p:cNvPr id="7" name="圖片 6" descr="一張含有 文字, 螢幕擷取畫面, 軟體, 數字 的圖片&#10;&#10;自動產生的描述">
+            <a:extLst>
+              <a:ext uri="{FF2B5EF4-FFF2-40B4-BE49-F238E27FC236}">
+                <a16:creationId xmlns:a16="http://schemas.microsoft.com/office/drawing/2014/main" id="{686C5AF4-C896-BCCC-80AC-87A1C7961391}"/>
+              </a:ext>
+            </a:extLst>
+          </p:cNvPr>
+          <p:cNvPicPr>
+            <a:picLocks noChangeAspect="1"/>
+          </p:cNvPicPr>
+          <p:nvPr/>
+        </p:nvPicPr>
+        <p:blipFill>
+          <a:blip r:embed="rId4">
+            <a:extLst>
+              <a:ext uri="{28A0092B-C50C-407E-A947-70E740481C1C}">
+                <a14:useLocalDpi xmlns:a14="http://schemas.microsoft.com/office/drawing/2010/main" val="0"/>
+              </a:ext>
+            </a:extLst>
+          </a:blip>
+          <a:stretch>
+            <a:fillRect/>
+          </a:stretch>
+        </p:blipFill>
+        <p:spPr>
+          <a:xfrm>
+            <a:off x="209550" y="2100163"/>
+            <a:ext cx="5619750" cy="2657673"/>
+          </a:xfrm>
+          <a:prstGeom prst="rect">
+            <a:avLst/>
+          </a:prstGeom>
+        </p:spPr>
+      </p:pic>
+      <p:pic>
+        <p:nvPicPr>
+          <p:cNvPr id="10" name="圖片 9" descr="一張含有 文字, 螢幕擷取畫面, 數字, 軟體 的圖片&#10;&#10;自動產生的描述">
+            <a:extLst>
+              <a:ext uri="{FF2B5EF4-FFF2-40B4-BE49-F238E27FC236}">
+                <a16:creationId xmlns:a16="http://schemas.microsoft.com/office/drawing/2014/main" id="{B6CD801B-92C6-88F6-BA5E-AB3F815FFEE9}"/>
+              </a:ext>
+            </a:extLst>
+          </p:cNvPr>
+          <p:cNvPicPr>
+            <a:picLocks noChangeAspect="1"/>
+          </p:cNvPicPr>
+          <p:nvPr/>
+        </p:nvPicPr>
+        <p:blipFill>
+          <a:blip r:embed="rId5">
+            <a:extLst>
+              <a:ext uri="{28A0092B-C50C-407E-A947-70E740481C1C}">
+                <a14:useLocalDpi xmlns:a14="http://schemas.microsoft.com/office/drawing/2010/main" val="0"/>
+              </a:ext>
+            </a:extLst>
+          </a:blip>
+          <a:stretch>
+            <a:fillRect/>
+          </a:stretch>
+        </p:blipFill>
+        <p:spPr>
+          <a:xfrm>
+            <a:off x="6096000" y="1985962"/>
+            <a:ext cx="6096000" cy="2886075"/>
+          </a:xfrm>
+          <a:prstGeom prst="rect">
+            <a:avLst/>
+          </a:prstGeom>
+        </p:spPr>
+      </p:pic>
+    </p:spTree>
+    <p:extLst>
+      <p:ext uri="{BB962C8B-B14F-4D97-AF65-F5344CB8AC3E}">
+        <p14:creationId xmlns:p14="http://schemas.microsoft.com/office/powerpoint/2010/main" val="3656177452"/>
+      </p:ext>
+    </p:extLst>
+  </p:cSld>
+  <p:clrMapOvr>
+    <a:masterClrMapping/>
+  </p:clrMapOvr>
+</p:sld>
+</file>
+
+<file path=ppt/slides/slide6.xml><?xml version="1.0" encoding="utf-8"?>
+<p:sld xmlns:a="http://schemas.openxmlformats.org/drawingml/2006/main" xmlns:r="http://schemas.openxmlformats.org/officeDocument/2006/relationships" xmlns:p="http://schemas.openxmlformats.org/presentationml/2006/main">
+  <p:cSld>
+    <p:spTree>
+      <p:nvGrpSpPr>
+        <p:cNvPr id="1" name=""/>
+        <p:cNvGrpSpPr/>
+        <p:nvPr/>
+      </p:nvGrpSpPr>
+      <p:grpSpPr>
+        <a:xfrm>
+          <a:off x="0" y="0"/>
+          <a:ext cx="0" cy="0"/>
+          <a:chOff x="0" y="0"/>
+          <a:chExt cx="0" cy="0"/>
+        </a:xfrm>
+      </p:grpSpPr>
+      <p:sp>
+        <p:nvSpPr>
+          <p:cNvPr id="3" name="副標題 2">
+            <a:extLst>
+              <a:ext uri="{FF2B5EF4-FFF2-40B4-BE49-F238E27FC236}">
+                <a16:creationId xmlns:a16="http://schemas.microsoft.com/office/drawing/2014/main" id="{C26E4CBC-CAC9-4604-AC73-7792108DBECB}"/>
+              </a:ext>
+            </a:extLst>
+          </p:cNvPr>
+          <p:cNvSpPr>
+            <a:spLocks noGrp="1"/>
+          </p:cNvSpPr>
+          <p:nvPr>
+            <p:ph type="subTitle" idx="1"/>
+          </p:nvPr>
+        </p:nvSpPr>
+        <p:spPr>
+          <a:xfrm>
+            <a:off x="1028700" y="699878"/>
+            <a:ext cx="2933700" cy="508113"/>
           </a:xfrm>
         </p:spPr>
         <p:txBody>
@@ -3800,13 +5708,239 @@
               <a:ea typeface="微軟正黑體" panose="020B0604030504040204" pitchFamily="34" charset="-120"/>
             </a:endParaRPr>
           </a:p>
+        </p:txBody>
+      </p:sp>
+      <p:pic>
+        <p:nvPicPr>
+          <p:cNvPr id="4" name="圖片 3">
+            <a:extLst>
+              <a:ext uri="{FF2B5EF4-FFF2-40B4-BE49-F238E27FC236}">
+                <a16:creationId xmlns:a16="http://schemas.microsoft.com/office/drawing/2014/main" id="{C2F4B0AA-9587-EB1C-7E24-403702D25FD6}"/>
+              </a:ext>
+            </a:extLst>
+          </p:cNvPr>
+          <p:cNvPicPr>
+            <a:picLocks noChangeAspect="1"/>
+          </p:cNvPicPr>
+          <p:nvPr/>
+        </p:nvPicPr>
+        <p:blipFill rotWithShape="1">
+          <a:blip r:embed="rId2"/>
+          <a:srcRect l="31328" t="6839" r="42109" b="28710"/>
+          <a:stretch/>
+        </p:blipFill>
+        <p:spPr>
+          <a:xfrm>
+            <a:off x="4204939" y="953935"/>
+            <a:ext cx="3782121" cy="4950129"/>
+          </a:xfrm>
+          <a:prstGeom prst="rect">
+            <a:avLst/>
+          </a:prstGeom>
+        </p:spPr>
+      </p:pic>
+    </p:spTree>
+    <p:extLst>
+      <p:ext uri="{BB962C8B-B14F-4D97-AF65-F5344CB8AC3E}">
+        <p14:creationId xmlns:p14="http://schemas.microsoft.com/office/powerpoint/2010/main" val="1366296381"/>
+      </p:ext>
+    </p:extLst>
+  </p:cSld>
+  <p:clrMapOvr>
+    <a:masterClrMapping/>
+  </p:clrMapOvr>
+</p:sld>
+</file>
+
+<file path=ppt/slides/slide7.xml><?xml version="1.0" encoding="utf-8"?>
+<p:sld xmlns:a="http://schemas.openxmlformats.org/drawingml/2006/main" xmlns:r="http://schemas.openxmlformats.org/officeDocument/2006/relationships" xmlns:p="http://schemas.openxmlformats.org/presentationml/2006/main">
+  <p:cSld>
+    <p:spTree>
+      <p:nvGrpSpPr>
+        <p:cNvPr id="1" name=""/>
+        <p:cNvGrpSpPr/>
+        <p:nvPr/>
+      </p:nvGrpSpPr>
+      <p:grpSpPr>
+        <a:xfrm>
+          <a:off x="0" y="0"/>
+          <a:ext cx="0" cy="0"/>
+          <a:chOff x="0" y="0"/>
+          <a:chExt cx="0" cy="0"/>
+        </a:xfrm>
+      </p:grpSpPr>
+      <p:sp>
+        <p:nvSpPr>
+          <p:cNvPr id="3" name="副標題 2">
+            <a:extLst>
+              <a:ext uri="{FF2B5EF4-FFF2-40B4-BE49-F238E27FC236}">
+                <a16:creationId xmlns:a16="http://schemas.microsoft.com/office/drawing/2014/main" id="{C26E4CBC-CAC9-4604-AC73-7792108DBECB}"/>
+              </a:ext>
+            </a:extLst>
+          </p:cNvPr>
+          <p:cNvSpPr>
+            <a:spLocks noGrp="1"/>
+          </p:cNvSpPr>
+          <p:nvPr>
+            <p:ph type="subTitle" idx="1"/>
+          </p:nvPr>
+        </p:nvSpPr>
+        <p:spPr>
+          <a:xfrm>
+            <a:off x="828675" y="653937"/>
+            <a:ext cx="3819525" cy="498588"/>
+          </a:xfrm>
+        </p:spPr>
+        <p:txBody>
+          <a:bodyPr>
+            <a:normAutofit/>
+          </a:bodyPr>
+          <a:lstStyle/>
           <a:p>
             <a:pPr algn="l"/>
+            <a:r>
+              <a:rPr lang="zh-TW" altLang="en-US" sz="2800" dirty="0">
+                <a:latin typeface="微軟正黑體" panose="020B0604030504040204" pitchFamily="34" charset="-120"/>
+                <a:ea typeface="微軟正黑體" panose="020B0604030504040204" pitchFamily="34" charset="-120"/>
+              </a:rPr>
+              <a:t>圖表趨勢</a:t>
+            </a:r>
             <a:endParaRPr lang="en-US" altLang="zh-TW" sz="2800" dirty="0">
               <a:latin typeface="微軟正黑體" panose="020B0604030504040204" pitchFamily="34" charset="-120"/>
               <a:ea typeface="微軟正黑體" panose="020B0604030504040204" pitchFamily="34" charset="-120"/>
             </a:endParaRPr>
           </a:p>
+        </p:txBody>
+      </p:sp>
+      <p:pic>
+        <p:nvPicPr>
+          <p:cNvPr id="12" name="圖片 11" descr="一張含有 文字, 螢幕擷取畫面, 行, 圖表 的圖片&#10;&#10;自動產生的描述">
+            <a:extLst>
+              <a:ext uri="{FF2B5EF4-FFF2-40B4-BE49-F238E27FC236}">
+                <a16:creationId xmlns:a16="http://schemas.microsoft.com/office/drawing/2014/main" id="{22F2BF35-40CA-4628-CEE4-503C15DA8A52}"/>
+              </a:ext>
+            </a:extLst>
+          </p:cNvPr>
+          <p:cNvPicPr>
+            <a:picLocks noChangeAspect="1"/>
+          </p:cNvPicPr>
+          <p:nvPr/>
+        </p:nvPicPr>
+        <p:blipFill>
+          <a:blip r:embed="rId2">
+            <a:extLst>
+              <a:ext uri="{28A0092B-C50C-407E-A947-70E740481C1C}">
+                <a14:useLocalDpi xmlns:a14="http://schemas.microsoft.com/office/drawing/2010/main" val="0"/>
+              </a:ext>
+            </a:extLst>
+          </a:blip>
+          <a:stretch>
+            <a:fillRect/>
+          </a:stretch>
+        </p:blipFill>
+        <p:spPr>
+          <a:xfrm>
+            <a:off x="-2" y="1522414"/>
+            <a:ext cx="6200777" cy="3142373"/>
+          </a:xfrm>
+          <a:prstGeom prst="rect">
+            <a:avLst/>
+          </a:prstGeom>
+        </p:spPr>
+      </p:pic>
+      <p:pic>
+        <p:nvPicPr>
+          <p:cNvPr id="14" name="圖片 13" descr="一張含有 文字, 地圖, 螢幕擷取畫面, 圖表 的圖片&#10;&#10;自動產生的描述">
+            <a:extLst>
+              <a:ext uri="{FF2B5EF4-FFF2-40B4-BE49-F238E27FC236}">
+                <a16:creationId xmlns:a16="http://schemas.microsoft.com/office/drawing/2014/main" id="{F04D8631-670F-9F4B-4DBB-CBDA5CE2AEE3}"/>
+              </a:ext>
+            </a:extLst>
+          </p:cNvPr>
+          <p:cNvPicPr>
+            <a:picLocks noChangeAspect="1"/>
+          </p:cNvPicPr>
+          <p:nvPr/>
+        </p:nvPicPr>
+        <p:blipFill>
+          <a:blip r:embed="rId3">
+            <a:extLst>
+              <a:ext uri="{28A0092B-C50C-407E-A947-70E740481C1C}">
+                <a14:useLocalDpi xmlns:a14="http://schemas.microsoft.com/office/drawing/2010/main" val="0"/>
+              </a:ext>
+            </a:extLst>
+          </a:blip>
+          <a:stretch>
+            <a:fillRect/>
+          </a:stretch>
+        </p:blipFill>
+        <p:spPr>
+          <a:xfrm>
+            <a:off x="5991223" y="1575511"/>
+            <a:ext cx="6096000" cy="3089275"/>
+          </a:xfrm>
+          <a:prstGeom prst="rect">
+            <a:avLst/>
+          </a:prstGeom>
+        </p:spPr>
+      </p:pic>
+    </p:spTree>
+    <p:extLst>
+      <p:ext uri="{BB962C8B-B14F-4D97-AF65-F5344CB8AC3E}">
+        <p14:creationId xmlns:p14="http://schemas.microsoft.com/office/powerpoint/2010/main" val="2563305704"/>
+      </p:ext>
+    </p:extLst>
+  </p:cSld>
+  <p:clrMapOvr>
+    <a:masterClrMapping/>
+  </p:clrMapOvr>
+</p:sld>
+</file>
+
+<file path=ppt/slides/slide8.xml><?xml version="1.0" encoding="utf-8"?>
+<p:sld xmlns:a="http://schemas.openxmlformats.org/drawingml/2006/main" xmlns:r="http://schemas.openxmlformats.org/officeDocument/2006/relationships" xmlns:p="http://schemas.openxmlformats.org/presentationml/2006/main">
+  <p:cSld>
+    <p:spTree>
+      <p:nvGrpSpPr>
+        <p:cNvPr id="1" name=""/>
+        <p:cNvGrpSpPr/>
+        <p:nvPr/>
+      </p:nvGrpSpPr>
+      <p:grpSpPr>
+        <a:xfrm>
+          <a:off x="0" y="0"/>
+          <a:ext cx="0" cy="0"/>
+          <a:chOff x="0" y="0"/>
+          <a:chExt cx="0" cy="0"/>
+        </a:xfrm>
+      </p:grpSpPr>
+      <p:sp>
+        <p:nvSpPr>
+          <p:cNvPr id="3" name="副標題 2">
+            <a:extLst>
+              <a:ext uri="{FF2B5EF4-FFF2-40B4-BE49-F238E27FC236}">
+                <a16:creationId xmlns:a16="http://schemas.microsoft.com/office/drawing/2014/main" id="{C26E4CBC-CAC9-4604-AC73-7792108DBECB}"/>
+              </a:ext>
+            </a:extLst>
+          </p:cNvPr>
+          <p:cNvSpPr>
+            <a:spLocks noGrp="1"/>
+          </p:cNvSpPr>
+          <p:nvPr>
+            <p:ph type="subTitle" idx="1"/>
+          </p:nvPr>
+        </p:nvSpPr>
+        <p:spPr>
+          <a:xfrm>
+            <a:off x="828675" y="653937"/>
+            <a:ext cx="3819525" cy="498588"/>
+          </a:xfrm>
+        </p:spPr>
+        <p:txBody>
+          <a:bodyPr>
+            <a:normAutofit/>
+          </a:bodyPr>
+          <a:lstStyle/>
           <a:p>
             <a:pPr algn="l"/>
             <a:r>
@@ -3821,33 +5955,229 @@
               <a:ea typeface="微軟正黑體" panose="020B0604030504040204" pitchFamily="34" charset="-120"/>
             </a:endParaRPr>
           </a:p>
+        </p:txBody>
+      </p:sp>
+      <p:pic>
+        <p:nvPicPr>
+          <p:cNvPr id="10" name="圖片 9" descr="一張含有 文字, 行, 圖表, 螢幕擷取畫面 的圖片&#10;&#10;自動產生的描述">
+            <a:extLst>
+              <a:ext uri="{FF2B5EF4-FFF2-40B4-BE49-F238E27FC236}">
+                <a16:creationId xmlns:a16="http://schemas.microsoft.com/office/drawing/2014/main" id="{B4764F7A-CDE0-2F80-1CB5-7B7A4C733B06}"/>
+              </a:ext>
+            </a:extLst>
+          </p:cNvPr>
+          <p:cNvPicPr>
+            <a:picLocks noChangeAspect="1"/>
+          </p:cNvPicPr>
+          <p:nvPr/>
+        </p:nvPicPr>
+        <p:blipFill>
+          <a:blip r:embed="rId2">
+            <a:extLst>
+              <a:ext uri="{28A0092B-C50C-407E-A947-70E740481C1C}">
+                <a14:useLocalDpi xmlns:a14="http://schemas.microsoft.com/office/drawing/2010/main" val="0"/>
+              </a:ext>
+            </a:extLst>
+          </a:blip>
+          <a:stretch>
+            <a:fillRect/>
+          </a:stretch>
+        </p:blipFill>
+        <p:spPr>
+          <a:xfrm>
+            <a:off x="0" y="1924050"/>
+            <a:ext cx="6229350" cy="3156853"/>
+          </a:xfrm>
+          <a:prstGeom prst="rect">
+            <a:avLst/>
+          </a:prstGeom>
+        </p:spPr>
+      </p:pic>
+      <p:pic>
+        <p:nvPicPr>
+          <p:cNvPr id="12" name="圖片 11" descr="一張含有 文字, 螢幕擷取畫面, 行, 字型 的圖片&#10;&#10;自動產生的描述">
+            <a:extLst>
+              <a:ext uri="{FF2B5EF4-FFF2-40B4-BE49-F238E27FC236}">
+                <a16:creationId xmlns:a16="http://schemas.microsoft.com/office/drawing/2014/main" id="{F746CE7E-32D2-A901-7DDD-872CCD36E3E7}"/>
+              </a:ext>
+            </a:extLst>
+          </p:cNvPr>
+          <p:cNvPicPr>
+            <a:picLocks noChangeAspect="1"/>
+          </p:cNvPicPr>
+          <p:nvPr/>
+        </p:nvPicPr>
+        <p:blipFill>
+          <a:blip r:embed="rId3">
+            <a:extLst>
+              <a:ext uri="{28A0092B-C50C-407E-A947-70E740481C1C}">
+                <a14:useLocalDpi xmlns:a14="http://schemas.microsoft.com/office/drawing/2010/main" val="0"/>
+              </a:ext>
+            </a:extLst>
+          </a:blip>
+          <a:stretch>
+            <a:fillRect/>
+          </a:stretch>
+        </p:blipFill>
+        <p:spPr>
+          <a:xfrm>
+            <a:off x="5743575" y="1924050"/>
+            <a:ext cx="6448425" cy="3267874"/>
+          </a:xfrm>
+          <a:prstGeom prst="rect">
+            <a:avLst/>
+          </a:prstGeom>
+        </p:spPr>
+      </p:pic>
+    </p:spTree>
+    <p:extLst>
+      <p:ext uri="{BB962C8B-B14F-4D97-AF65-F5344CB8AC3E}">
+        <p14:creationId xmlns:p14="http://schemas.microsoft.com/office/powerpoint/2010/main" val="1894173104"/>
+      </p:ext>
+    </p:extLst>
+  </p:cSld>
+  <p:clrMapOvr>
+    <a:masterClrMapping/>
+  </p:clrMapOvr>
+</p:sld>
+</file>
+
+<file path=ppt/slides/slide9.xml><?xml version="1.0" encoding="utf-8"?>
+<p:sld xmlns:a="http://schemas.openxmlformats.org/drawingml/2006/main" xmlns:r="http://schemas.openxmlformats.org/officeDocument/2006/relationships" xmlns:p="http://schemas.openxmlformats.org/presentationml/2006/main">
+  <p:cSld>
+    <p:spTree>
+      <p:nvGrpSpPr>
+        <p:cNvPr id="1" name=""/>
+        <p:cNvGrpSpPr/>
+        <p:nvPr/>
+      </p:nvGrpSpPr>
+      <p:grpSpPr>
+        <a:xfrm>
+          <a:off x="0" y="0"/>
+          <a:ext cx="0" cy="0"/>
+          <a:chOff x="0" y="0"/>
+          <a:chExt cx="0" cy="0"/>
+        </a:xfrm>
+      </p:grpSpPr>
+      <p:sp>
+        <p:nvSpPr>
+          <p:cNvPr id="3" name="副標題 2">
+            <a:extLst>
+              <a:ext uri="{FF2B5EF4-FFF2-40B4-BE49-F238E27FC236}">
+                <a16:creationId xmlns:a16="http://schemas.microsoft.com/office/drawing/2014/main" id="{C26E4CBC-CAC9-4604-AC73-7792108DBECB}"/>
+              </a:ext>
+            </a:extLst>
+          </p:cNvPr>
+          <p:cNvSpPr>
+            <a:spLocks noGrp="1"/>
+          </p:cNvSpPr>
+          <p:nvPr>
+            <p:ph type="subTitle" idx="1"/>
+          </p:nvPr>
+        </p:nvSpPr>
+        <p:spPr>
+          <a:xfrm>
+            <a:off x="828675" y="653937"/>
+            <a:ext cx="3819525" cy="498588"/>
+          </a:xfrm>
+        </p:spPr>
+        <p:txBody>
+          <a:bodyPr>
+            <a:normAutofit/>
+          </a:bodyPr>
+          <a:lstStyle/>
           <a:p>
             <a:pPr algn="l"/>
+            <a:r>
+              <a:rPr lang="zh-TW" altLang="en-US" sz="2800" dirty="0">
+                <a:latin typeface="微軟正黑體" panose="020B0604030504040204" pitchFamily="34" charset="-120"/>
+                <a:ea typeface="微軟正黑體" panose="020B0604030504040204" pitchFamily="34" charset="-120"/>
+              </a:rPr>
+              <a:t>圖表趨勢</a:t>
+            </a:r>
             <a:endParaRPr lang="en-US" altLang="zh-TW" sz="2800" dirty="0">
               <a:latin typeface="微軟正黑體" panose="020B0604030504040204" pitchFamily="34" charset="-120"/>
               <a:ea typeface="微軟正黑體" panose="020B0604030504040204" pitchFamily="34" charset="-120"/>
             </a:endParaRPr>
           </a:p>
-          <a:p>
-            <a:pPr algn="l"/>
-            <a:r>
-              <a:rPr lang="zh-TW" altLang="en-US" sz="2800" dirty="0">
-                <a:latin typeface="微軟正黑體" panose="020B0604030504040204" pitchFamily="34" charset="-120"/>
-                <a:ea typeface="微軟正黑體" panose="020B0604030504040204" pitchFamily="34" charset="-120"/>
-              </a:rPr>
-              <a:t>結論</a:t>
-            </a:r>
-            <a:endParaRPr lang="en-US" altLang="zh-TW" sz="2800" dirty="0">
-              <a:latin typeface="微軟正黑體" panose="020B0604030504040204" pitchFamily="34" charset="-120"/>
-              <a:ea typeface="微軟正黑體" panose="020B0604030504040204" pitchFamily="34" charset="-120"/>
-            </a:endParaRPr>
-          </a:p>
-        </p:txBody>
-      </p:sp>
+        </p:txBody>
+      </p:sp>
+      <p:pic>
+        <p:nvPicPr>
+          <p:cNvPr id="10" name="圖片 9" descr="一張含有 文字, 地圖, 螢幕擷取畫面, 行 的圖片&#10;&#10;自動產生的描述">
+            <a:extLst>
+              <a:ext uri="{FF2B5EF4-FFF2-40B4-BE49-F238E27FC236}">
+                <a16:creationId xmlns:a16="http://schemas.microsoft.com/office/drawing/2014/main" id="{0CC29161-FD3F-2312-4A0B-E742CCA396AE}"/>
+              </a:ext>
+            </a:extLst>
+          </p:cNvPr>
+          <p:cNvPicPr>
+            <a:picLocks noChangeAspect="1"/>
+          </p:cNvPicPr>
+          <p:nvPr/>
+        </p:nvPicPr>
+        <p:blipFill>
+          <a:blip r:embed="rId2">
+            <a:extLst>
+              <a:ext uri="{28A0092B-C50C-407E-A947-70E740481C1C}">
+                <a14:useLocalDpi xmlns:a14="http://schemas.microsoft.com/office/drawing/2010/main" val="0"/>
+              </a:ext>
+            </a:extLst>
+          </a:blip>
+          <a:stretch>
+            <a:fillRect/>
+          </a:stretch>
+        </p:blipFill>
+        <p:spPr>
+          <a:xfrm>
+            <a:off x="47625" y="1730012"/>
+            <a:ext cx="5915025" cy="2997562"/>
+          </a:xfrm>
+          <a:prstGeom prst="rect">
+            <a:avLst/>
+          </a:prstGeom>
+        </p:spPr>
+      </p:pic>
+      <p:pic>
+        <p:nvPicPr>
+          <p:cNvPr id="12" name="圖片 11" descr="一張含有 文字, 行, 螢幕擷取畫面, 圖表 的圖片&#10;&#10;自動產生的描述">
+            <a:extLst>
+              <a:ext uri="{FF2B5EF4-FFF2-40B4-BE49-F238E27FC236}">
+                <a16:creationId xmlns:a16="http://schemas.microsoft.com/office/drawing/2014/main" id="{D1DC9FCE-75DD-D7A7-4AC8-FBC406AC9EFF}"/>
+              </a:ext>
+            </a:extLst>
+          </p:cNvPr>
+          <p:cNvPicPr>
+            <a:picLocks noChangeAspect="1"/>
+          </p:cNvPicPr>
+          <p:nvPr/>
+        </p:nvPicPr>
+        <p:blipFill>
+          <a:blip r:embed="rId3">
+            <a:extLst>
+              <a:ext uri="{28A0092B-C50C-407E-A947-70E740481C1C}">
+                <a14:useLocalDpi xmlns:a14="http://schemas.microsoft.com/office/drawing/2010/main" val="0"/>
+              </a:ext>
+            </a:extLst>
+          </a:blip>
+          <a:stretch>
+            <a:fillRect/>
+          </a:stretch>
+        </p:blipFill>
+        <p:spPr>
+          <a:xfrm>
+            <a:off x="5962650" y="1730012"/>
+            <a:ext cx="5962650" cy="3021697"/>
+          </a:xfrm>
+          <a:prstGeom prst="rect">
+            <a:avLst/>
+          </a:prstGeom>
+        </p:spPr>
+      </p:pic>
     </p:spTree>
     <p:extLst>
       <p:ext uri="{BB962C8B-B14F-4D97-AF65-F5344CB8AC3E}">
-        <p14:creationId xmlns:p14="http://schemas.microsoft.com/office/powerpoint/2010/main" val="1366296381"/>
+        <p14:creationId xmlns:p14="http://schemas.microsoft.com/office/powerpoint/2010/main" val="363084037"/>
       </p:ext>
     </p:extLst>
   </p:cSld>
